--- a/fig/api-ecosystem-v05.pptx
+++ b/fig/api-ecosystem-v05.pptx
@@ -252,7 +252,7 @@
               <a:pPr>
                 <a:defRPr/>
               </a:pPr>
-              <a:t>6/26/16</a:t>
+              <a:t>6/29/16</a:t>
             </a:fld>
             <a:endParaRPr lang="en-US"/>
           </a:p>
@@ -466,7 +466,7 @@
               <a:pPr>
                 <a:defRPr/>
               </a:pPr>
-              <a:t>6/26/16</a:t>
+              <a:t>6/29/16</a:t>
             </a:fld>
             <a:endParaRPr lang="en-US"/>
           </a:p>
@@ -1927,7 +1927,7 @@
               <a:pPr>
                 <a:defRPr/>
               </a:pPr>
-              <a:t>6/26/16</a:t>
+              <a:t>6/29/16</a:t>
             </a:fld>
             <a:endParaRPr lang="en-US"/>
           </a:p>
@@ -2650,15 +2650,13 @@
       <p:cxnSp>
         <p:nvCxnSpPr>
           <p:cNvPr id="63" name="Straight Connector 62"/>
-          <p:cNvCxnSpPr>
-            <a:stCxn id="43" idx="0"/>
-          </p:cNvCxnSpPr>
+          <p:cNvCxnSpPr/>
           <p:nvPr/>
         </p:nvCxnSpPr>
         <p:spPr>
           <a:xfrm flipV="1">
-            <a:off x="2108817" y="861184"/>
-            <a:ext cx="0" cy="245539"/>
+            <a:off x="2124593" y="861184"/>
+            <a:ext cx="0" cy="426045"/>
           </a:xfrm>
           <a:prstGeom prst="line">
             <a:avLst/>
@@ -3428,7 +3426,7 @@
         <p:spPr>
           <a:xfrm>
             <a:off x="4950943" y="2267892"/>
-            <a:ext cx="922851" cy="558668"/>
+            <a:ext cx="1125295" cy="558668"/>
           </a:xfrm>
           <a:prstGeom prst="bentConnector2">
             <a:avLst/>
@@ -3490,7 +3488,7 @@
         </p:nvSpPr>
         <p:spPr>
           <a:xfrm>
-            <a:off x="5512094" y="3281577"/>
+            <a:off x="5392798" y="3275935"/>
             <a:ext cx="712493" cy="354186"/>
           </a:xfrm>
           <a:prstGeom prst="can">
@@ -3550,7 +3548,7 @@
         </p:nvCxnSpPr>
         <p:spPr>
           <a:xfrm flipV="1">
-            <a:off x="6224587" y="2794947"/>
+            <a:off x="6105291" y="2789305"/>
             <a:ext cx="614927" cy="663723"/>
           </a:xfrm>
           <a:prstGeom prst="bentConnector2">
@@ -3591,7 +3589,7 @@
         <p:spPr>
           <a:xfrm rot="10800000">
             <a:off x="2557154" y="2865626"/>
-            <a:ext cx="2954941" cy="593045"/>
+            <a:ext cx="2835645" cy="587403"/>
           </a:xfrm>
           <a:prstGeom prst="bentConnector2">
             <a:avLst/>
@@ -3627,7 +3625,7 @@
         </p:nvSpPr>
         <p:spPr>
           <a:xfrm>
-            <a:off x="5497343" y="2826560"/>
+            <a:off x="5699787" y="2826560"/>
             <a:ext cx="752902" cy="365874"/>
           </a:xfrm>
           <a:prstGeom prst="rect">
@@ -4495,24 +4493,22 @@
       <p:cxnSp>
         <p:nvCxnSpPr>
           <p:cNvPr id="53" name="Straight Connector 52"/>
-          <p:cNvCxnSpPr>
-            <a:stCxn id="54" idx="2"/>
-            <a:endCxn id="28" idx="0"/>
-          </p:cNvCxnSpPr>
+          <p:cNvCxnSpPr/>
           <p:nvPr/>
         </p:nvCxnSpPr>
         <p:spPr>
-          <a:xfrm flipH="1">
-            <a:off x="5868341" y="3192434"/>
-            <a:ext cx="5453" cy="177690"/>
+          <a:xfrm>
+            <a:off x="5921916" y="3129125"/>
+            <a:ext cx="0" cy="184067"/>
           </a:xfrm>
           <a:prstGeom prst="line">
             <a:avLst/>
           </a:prstGeom>
-          <a:ln w="25400">
+          <a:ln w="12700">
             <a:solidFill>
               <a:schemeClr val="accent3"/>
             </a:solidFill>
+            <a:prstDash val="sysDash"/>
             <a:headEnd type="none" w="lg" len="lg"/>
             <a:tailEnd type="none" w="lg" len="lg"/>
           </a:ln>
@@ -4611,8 +4607,8 @@
         </p:nvCxnSpPr>
         <p:spPr>
           <a:xfrm>
-            <a:off x="4893136" y="683769"/>
-            <a:ext cx="326894" cy="838"/>
+            <a:off x="4870131" y="674565"/>
+            <a:ext cx="349899" cy="10042"/>
           </a:xfrm>
           <a:prstGeom prst="line">
             <a:avLst/>
@@ -4720,9 +4716,9 @@
           <p:nvPr/>
         </p:nvCxnSpPr>
         <p:spPr>
-          <a:xfrm>
-            <a:off x="3168979" y="677891"/>
-            <a:ext cx="280613" cy="5878"/>
+          <a:xfrm flipV="1">
+            <a:off x="3168979" y="674565"/>
+            <a:ext cx="257608" cy="3326"/>
           </a:xfrm>
           <a:prstGeom prst="line">
             <a:avLst/>
@@ -4761,8 +4757,8 @@
         </p:nvCxnSpPr>
         <p:spPr>
           <a:xfrm rot="5400000">
-            <a:off x="7119323" y="1925869"/>
-            <a:ext cx="214550" cy="1952706"/>
+            <a:off x="7220545" y="2027091"/>
+            <a:ext cx="214550" cy="1750262"/>
           </a:xfrm>
           <a:prstGeom prst="bentConnector2">
             <a:avLst/>
@@ -4945,7 +4941,7 @@
         </p:nvSpPr>
         <p:spPr>
           <a:xfrm>
-            <a:off x="3634398" y="2468241"/>
+            <a:off x="3648667" y="2813376"/>
             <a:ext cx="1418831" cy="401915"/>
           </a:xfrm>
           <a:prstGeom prst="roundRect">
@@ -4988,19 +4984,7 @@
                 <a:latin typeface="Open Sans Light"/>
                 <a:cs typeface="Open Sans Light"/>
               </a:rPr>
-              <a:t>api-ecosystem-v05.</a:t>
-            </a:r>
-            <a:r>
-              <a:rPr lang="en-US" sz="600" dirty="0" smtClean="0">
-                <a:solidFill>
-                  <a:schemeClr val="bg1">
-                    <a:lumMod val="75000"/>
-                  </a:schemeClr>
-                </a:solidFill>
-                <a:latin typeface="Open Sans Light"/>
-                <a:cs typeface="Open Sans Light"/>
-              </a:rPr>
-              <a:t>pptx.</a:t>
+              <a:t>api-ecosystem-v05.pptx.</a:t>
             </a:r>
           </a:p>
           <a:p>
@@ -5390,8 +5374,8 @@
         </p:nvCxnSpPr>
         <p:spPr>
           <a:xfrm flipV="1">
-            <a:off x="2900639" y="837063"/>
-            <a:ext cx="548953" cy="269661"/>
+            <a:off x="2981663" y="837064"/>
+            <a:ext cx="467929" cy="283896"/>
           </a:xfrm>
           <a:prstGeom prst="line">
             <a:avLst/>
@@ -5575,8 +5559,8 @@
         </p:nvSpPr>
         <p:spPr>
           <a:xfrm>
-            <a:off x="1332618" y="1139368"/>
-            <a:ext cx="1008895" cy="292561"/>
+            <a:off x="1318814" y="1121558"/>
+            <a:ext cx="1662849" cy="366586"/>
           </a:xfrm>
           <a:prstGeom prst="rect">
             <a:avLst/>
@@ -5608,7 +5592,7 @@
           <a:bodyPr lIns="68681" tIns="34340" rIns="68681" bIns="34340" anchor="ctr"/>
           <a:lstStyle/>
           <a:p>
-            <a:pPr defTabSz="343403" eaLnBrk="1" fontAlgn="auto" hangingPunct="1">
+            <a:pPr algn="r" defTabSz="343403" eaLnBrk="1" fontAlgn="auto" hangingPunct="1">
               <a:spcBef>
                 <a:spcPts val="0"/>
               </a:spcBef>
@@ -5623,7 +5607,7 @@
                 <a:ea typeface="Open Sans Light" charset="0"/>
                 <a:cs typeface="Open Sans Light" charset="0"/>
               </a:rPr>
-              <a:t>Swagger</a:t>
+              <a:t>Swagger spec.</a:t>
             </a:r>
             <a:endParaRPr lang="en-US" sz="1800" b="1" dirty="0">
               <a:latin typeface="Open Sans Light" charset="0"/>
@@ -5641,8 +5625,8 @@
         </p:nvSpPr>
         <p:spPr>
           <a:xfrm>
-            <a:off x="3499854" y="502097"/>
-            <a:ext cx="1394823" cy="366587"/>
+            <a:off x="3423392" y="488097"/>
+            <a:ext cx="1446739" cy="366587"/>
           </a:xfrm>
           <a:prstGeom prst="rect">
             <a:avLst/>
@@ -5671,7 +5655,7 @@
           </a:fontRef>
         </p:style>
         <p:txBody>
-          <a:bodyPr lIns="68681" tIns="34340" rIns="68681" bIns="34340" anchor="t"/>
+          <a:bodyPr lIns="68681" tIns="34340" rIns="68681" bIns="34340" anchor="ctr"/>
           <a:lstStyle/>
           <a:p>
             <a:pPr algn="r" defTabSz="343403" eaLnBrk="1" fontAlgn="auto" hangingPunct="1">
@@ -6095,8 +6079,8 @@
         </p:nvSpPr>
         <p:spPr>
           <a:xfrm>
-            <a:off x="1316994" y="1106723"/>
-            <a:ext cx="1583645" cy="366587"/>
+            <a:off x="1325852" y="1121557"/>
+            <a:ext cx="1660069" cy="366587"/>
           </a:xfrm>
           <a:prstGeom prst="rect">
             <a:avLst/>
@@ -6105,9 +6089,7 @@
             <a:schemeClr val="accent2"/>
           </a:solidFill>
           <a:ln>
-            <a:solidFill>
-              <a:schemeClr val="bg1"/>
-            </a:solidFill>
+            <a:noFill/>
           </a:ln>
         </p:spPr>
         <p:style>
@@ -6127,10 +6109,10 @@
           </a:fontRef>
         </p:style>
         <p:txBody>
-          <a:bodyPr lIns="68681" tIns="34340" rIns="68681" bIns="34340" anchor="t"/>
+          <a:bodyPr lIns="68681" tIns="34340" rIns="68681" bIns="34340" anchor="ctr"/>
           <a:lstStyle/>
           <a:p>
-            <a:pPr algn="ctr" defTabSz="343403" eaLnBrk="1" fontAlgn="auto" hangingPunct="1">
+            <a:pPr algn="r" defTabSz="343403" eaLnBrk="1" fontAlgn="auto" hangingPunct="1">
               <a:spcBef>
                 <a:spcPts val="0"/>
               </a:spcBef>
@@ -6146,6 +6128,14 @@
                 <a:cs typeface="Open Sans Light" charset="0"/>
               </a:rPr>
               <a:t>interface spec</a:t>
+            </a:r>
+            <a:r>
+              <a:rPr lang="en-US" sz="1800" b="1" dirty="0" smtClean="0">
+                <a:latin typeface="Open Sans Light" charset="0"/>
+                <a:ea typeface="Open Sans Light" charset="0"/>
+                <a:cs typeface="Open Sans Light" charset="0"/>
+              </a:rPr>
+              <a:t>.</a:t>
             </a:r>
             <a:endParaRPr lang="en-US" sz="1800" b="1" dirty="0">
               <a:latin typeface="Open Sans Light" charset="0"/>
@@ -6163,7 +6153,7 @@
         </p:nvSpPr>
         <p:spPr>
           <a:xfrm>
-            <a:off x="3449592" y="500475"/>
+            <a:off x="3426587" y="491271"/>
             <a:ext cx="1443544" cy="366587"/>
           </a:xfrm>
           <a:prstGeom prst="rect">
@@ -6193,7 +6183,7 @@
           </a:fontRef>
         </p:style>
         <p:txBody>
-          <a:bodyPr lIns="68681" tIns="34340" rIns="68681" bIns="34340" anchor="t"/>
+          <a:bodyPr lIns="68681" tIns="34340" rIns="68681" bIns="34340" anchor="ctr"/>
           <a:lstStyle/>
           <a:p>
             <a:pPr defTabSz="343403" eaLnBrk="1" fontAlgn="auto" hangingPunct="1">
@@ -6212,6 +6202,227 @@
                 <a:cs typeface="Open Sans Light" charset="0"/>
               </a:rPr>
               <a:t>API galleries</a:t>
+            </a:r>
+            <a:endParaRPr lang="en-US" sz="1800" b="1" dirty="0">
+              <a:latin typeface="Open Sans Light" charset="0"/>
+              <a:ea typeface="Open Sans Light" charset="0"/>
+              <a:cs typeface="Open Sans Light" charset="0"/>
+            </a:endParaRPr>
+          </a:p>
+        </p:txBody>
+      </p:sp>
+      <p:cxnSp>
+        <p:nvCxnSpPr>
+          <p:cNvPr id="74" name="Straight Connector 117"/>
+          <p:cNvCxnSpPr>
+            <a:stCxn id="77" idx="3"/>
+          </p:cNvCxnSpPr>
+          <p:nvPr/>
+        </p:nvCxnSpPr>
+        <p:spPr>
+          <a:xfrm>
+            <a:off x="4942496" y="2636333"/>
+            <a:ext cx="560699" cy="676859"/>
+          </a:xfrm>
+          <a:prstGeom prst="bentConnector2">
+            <a:avLst/>
+          </a:prstGeom>
+          <a:ln w="25400">
+            <a:solidFill>
+              <a:srgbClr val="548D3D"/>
+            </a:solidFill>
+            <a:headEnd type="none" w="lg" len="lg"/>
+            <a:tailEnd type="triangle" w="lg" len="lg"/>
+          </a:ln>
+        </p:spPr>
+        <p:style>
+          <a:lnRef idx="1">
+            <a:schemeClr val="accent1"/>
+          </a:lnRef>
+          <a:fillRef idx="0">
+            <a:schemeClr val="accent1"/>
+          </a:fillRef>
+          <a:effectRef idx="0">
+            <a:schemeClr val="accent1"/>
+          </a:effectRef>
+          <a:fontRef idx="minor">
+            <a:schemeClr val="tx1"/>
+          </a:fontRef>
+        </p:style>
+      </p:cxnSp>
+      <p:sp>
+        <p:nvSpPr>
+          <p:cNvPr id="77" name="Rectangle 76"/>
+          <p:cNvSpPr/>
+          <p:nvPr/>
+        </p:nvSpPr>
+        <p:spPr>
+          <a:xfrm>
+            <a:off x="3614192" y="2471141"/>
+            <a:ext cx="1328304" cy="330384"/>
+          </a:xfrm>
+          <a:prstGeom prst="rect">
+            <a:avLst/>
+          </a:prstGeom>
+          <a:solidFill>
+            <a:schemeClr val="accent4"/>
+          </a:solidFill>
+          <a:ln>
+            <a:solidFill>
+              <a:schemeClr val="bg1"/>
+            </a:solidFill>
+          </a:ln>
+        </p:spPr>
+        <p:style>
+          <a:lnRef idx="2">
+            <a:schemeClr val="accent1">
+              <a:shade val="50000"/>
+            </a:schemeClr>
+          </a:lnRef>
+          <a:fillRef idx="1">
+            <a:schemeClr val="accent1"/>
+          </a:fillRef>
+          <a:effectRef idx="0">
+            <a:schemeClr val="accent1"/>
+          </a:effectRef>
+          <a:fontRef idx="minor">
+            <a:schemeClr val="lt1"/>
+          </a:fontRef>
+        </p:style>
+        <p:txBody>
+          <a:bodyPr lIns="68681" tIns="34340" rIns="68681" bIns="34340" anchor="b"/>
+          <a:lstStyle/>
+          <a:p>
+            <a:pPr algn="r" defTabSz="343403" eaLnBrk="1" fontAlgn="auto" hangingPunct="1">
+              <a:spcBef>
+                <a:spcPts val="0"/>
+              </a:spcBef>
+              <a:spcAft>
+                <a:spcPts val="0"/>
+              </a:spcAft>
+              <a:defRPr/>
+            </a:pPr>
+            <a:r>
+              <a:rPr lang="en-US" sz="1800" b="1" dirty="0">
+                <a:latin typeface="Open Sans Light" charset="0"/>
+                <a:ea typeface="Open Sans Light" charset="0"/>
+                <a:cs typeface="Open Sans Light" charset="0"/>
+              </a:rPr>
+              <a:t>d</a:t>
+            </a:r>
+            <a:r>
+              <a:rPr lang="en-US" sz="1800" b="1" dirty="0" smtClean="0">
+                <a:latin typeface="Open Sans Light" charset="0"/>
+                <a:ea typeface="Open Sans Light" charset="0"/>
+                <a:cs typeface="Open Sans Light" charset="0"/>
+              </a:rPr>
+              <a:t>ata gen.</a:t>
+            </a:r>
+            <a:endParaRPr lang="en-US" sz="1800" b="1" dirty="0">
+              <a:latin typeface="Open Sans Light" charset="0"/>
+              <a:ea typeface="Open Sans Light" charset="0"/>
+              <a:cs typeface="Open Sans Light" charset="0"/>
+            </a:endParaRPr>
+          </a:p>
+        </p:txBody>
+      </p:sp>
+      <p:cxnSp>
+        <p:nvCxnSpPr>
+          <p:cNvPr id="78" name="Straight Connector 77"/>
+          <p:cNvCxnSpPr>
+            <a:stCxn id="94" idx="3"/>
+            <a:endCxn id="77" idx="1"/>
+          </p:cNvCxnSpPr>
+          <p:nvPr/>
+        </p:nvCxnSpPr>
+        <p:spPr>
+          <a:xfrm flipV="1">
+            <a:off x="3130480" y="2636333"/>
+            <a:ext cx="483712" cy="70120"/>
+          </a:xfrm>
+          <a:prstGeom prst="line">
+            <a:avLst/>
+          </a:prstGeom>
+          <a:ln w="25400">
+            <a:solidFill>
+              <a:srgbClr val="548D3D"/>
+            </a:solidFill>
+            <a:headEnd type="none" w="lg" len="lg"/>
+            <a:tailEnd type="triangle" w="lg" len="lg"/>
+          </a:ln>
+        </p:spPr>
+        <p:style>
+          <a:lnRef idx="1">
+            <a:schemeClr val="accent1"/>
+          </a:lnRef>
+          <a:fillRef idx="0">
+            <a:schemeClr val="accent1"/>
+          </a:fillRef>
+          <a:effectRef idx="0">
+            <a:schemeClr val="accent1"/>
+          </a:effectRef>
+          <a:fontRef idx="minor">
+            <a:schemeClr val="tx1"/>
+          </a:fontRef>
+        </p:style>
+      </p:cxnSp>
+      <p:sp>
+        <p:nvSpPr>
+          <p:cNvPr id="79" name="Rectangle 78"/>
+          <p:cNvSpPr/>
+          <p:nvPr/>
+        </p:nvSpPr>
+        <p:spPr>
+          <a:xfrm>
+            <a:off x="1478252" y="1273957"/>
+            <a:ext cx="1660069" cy="366587"/>
+          </a:xfrm>
+          <a:prstGeom prst="rect">
+            <a:avLst/>
+          </a:prstGeom>
+          <a:solidFill>
+            <a:schemeClr val="accent2"/>
+          </a:solidFill>
+          <a:ln>
+            <a:noFill/>
+          </a:ln>
+        </p:spPr>
+        <p:style>
+          <a:lnRef idx="2">
+            <a:schemeClr val="accent1">
+              <a:shade val="50000"/>
+            </a:schemeClr>
+          </a:lnRef>
+          <a:fillRef idx="1">
+            <a:schemeClr val="accent1"/>
+          </a:fillRef>
+          <a:effectRef idx="0">
+            <a:schemeClr val="accent1"/>
+          </a:effectRef>
+          <a:fontRef idx="minor">
+            <a:schemeClr val="lt1"/>
+          </a:fontRef>
+        </p:style>
+        <p:txBody>
+          <a:bodyPr lIns="68681" tIns="34340" rIns="68681" bIns="34340" anchor="ctr"/>
+          <a:lstStyle/>
+          <a:p>
+            <a:pPr algn="r" defTabSz="343403" eaLnBrk="1" fontAlgn="auto" hangingPunct="1">
+              <a:spcBef>
+                <a:spcPts val="0"/>
+              </a:spcBef>
+              <a:spcAft>
+                <a:spcPts val="0"/>
+              </a:spcAft>
+              <a:defRPr/>
+            </a:pPr>
+            <a:r>
+              <a:rPr lang="en-US" sz="1800" b="1" dirty="0" smtClean="0">
+                <a:latin typeface="Open Sans Light" charset="0"/>
+                <a:ea typeface="Open Sans Light" charset="0"/>
+                <a:cs typeface="Open Sans Light" charset="0"/>
+              </a:rPr>
+              <a:t>RAML spec.</a:t>
             </a:r>
             <a:endParaRPr lang="en-US" sz="1800" b="1" dirty="0">
               <a:latin typeface="Open Sans Light" charset="0"/>
@@ -6282,7 +6493,7 @@
                                 </p:cTn>
                               </p:par>
                               <p:par>
-                                <p:cTn id="7" presetID="1" presetClass="entr" presetSubtype="0" fill="hold" grpId="0" nodeType="withEffect">
+                                <p:cTn id="7" presetID="1" presetClass="entr" presetSubtype="0" fill="hold" nodeType="withEffect">
                                   <p:stCondLst>
                                     <p:cond delay="0"/>
                                   </p:stCondLst>
@@ -6290,87 +6501,6 @@
                                     <p:set>
                                       <p:cBhvr>
                                         <p:cTn id="8" dur="1" fill="hold">
-                                          <p:stCondLst>
-                                            <p:cond delay="0"/>
-                                          </p:stCondLst>
-                                        </p:cTn>
-                                        <p:tgtEl>
-                                          <p:spTgt spid="47"/>
-                                        </p:tgtEl>
-                                        <p:attrNameLst>
-                                          <p:attrName>style.visibility</p:attrName>
-                                        </p:attrNameLst>
-                                      </p:cBhvr>
-                                      <p:to>
-                                        <p:strVal val="visible"/>
-                                      </p:to>
-                                    </p:set>
-                                  </p:childTnLst>
-                                </p:cTn>
-                              </p:par>
-                              <p:par>
-                                <p:cTn id="9" presetID="1" presetClass="entr" presetSubtype="0" fill="hold" grpId="0" nodeType="withEffect">
-                                  <p:stCondLst>
-                                    <p:cond delay="0"/>
-                                  </p:stCondLst>
-                                  <p:childTnLst>
-                                    <p:set>
-                                      <p:cBhvr>
-                                        <p:cTn id="10" dur="1" fill="hold">
-                                          <p:stCondLst>
-                                            <p:cond delay="0"/>
-                                          </p:stCondLst>
-                                        </p:cTn>
-                                        <p:tgtEl>
-                                          <p:spTgt spid="68"/>
-                                        </p:tgtEl>
-                                        <p:attrNameLst>
-                                          <p:attrName>style.visibility</p:attrName>
-                                        </p:attrNameLst>
-                                      </p:cBhvr>
-                                      <p:to>
-                                        <p:strVal val="visible"/>
-                                      </p:to>
-                                    </p:set>
-                                  </p:childTnLst>
-                                </p:cTn>
-                              </p:par>
-                              <p:par>
-                                <p:cTn id="11" presetID="1" presetClass="entr" presetSubtype="0" fill="hold" nodeType="withEffect">
-                                  <p:stCondLst>
-                                    <p:cond delay="0"/>
-                                  </p:stCondLst>
-                                  <p:childTnLst>
-                                    <p:set>
-                                      <p:cBhvr>
-                                        <p:cTn id="12" dur="1" fill="hold">
-                                          <p:stCondLst>
-                                            <p:cond delay="0"/>
-                                          </p:stCondLst>
-                                        </p:cTn>
-                                        <p:tgtEl>
-                                          <p:spTgt spid="61"/>
-                                        </p:tgtEl>
-                                        <p:attrNameLst>
-                                          <p:attrName>style.visibility</p:attrName>
-                                        </p:attrNameLst>
-                                      </p:cBhvr>
-                                      <p:to>
-                                        <p:strVal val="visible"/>
-                                      </p:to>
-                                    </p:set>
-                                  </p:childTnLst>
-                                </p:cTn>
-                              </p:par>
-                              <p:par>
-                                <p:cTn id="13" presetID="1" presetClass="entr" presetSubtype="0" fill="hold" nodeType="withEffect">
-                                  <p:stCondLst>
-                                    <p:cond delay="0"/>
-                                  </p:stCondLst>
-                                  <p:childTnLst>
-                                    <p:set>
-                                      <p:cBhvr>
-                                        <p:cTn id="14" dur="1" fill="hold">
                                           <p:stCondLst>
                                             <p:cond delay="0"/>
                                           </p:stCondLst>
@@ -6396,26 +6526,125 @@
                     </p:cTn>
                   </p:par>
                   <p:par>
-                    <p:cTn id="15" fill="hold">
+                    <p:cTn id="9" fill="hold">
                       <p:stCondLst>
                         <p:cond delay="indefinite"/>
                       </p:stCondLst>
                       <p:childTnLst>
                         <p:par>
-                          <p:cTn id="16" fill="hold">
+                          <p:cTn id="10" fill="hold">
                             <p:stCondLst>
                               <p:cond delay="0"/>
                             </p:stCondLst>
                             <p:childTnLst>
                               <p:par>
-                                <p:cTn id="17" presetID="1" presetClass="entr" presetSubtype="0" fill="hold" grpId="0" nodeType="clickEffect">
+                                <p:cTn id="11" presetID="1" presetClass="entr" presetSubtype="0" fill="hold" grpId="0" nodeType="clickEffect">
                                   <p:stCondLst>
                                     <p:cond delay="0"/>
                                   </p:stCondLst>
                                   <p:childTnLst>
                                     <p:set>
                                       <p:cBhvr>
-                                        <p:cTn id="18" dur="1" fill="hold">
+                                        <p:cTn id="12" dur="1" fill="hold">
+                                          <p:stCondLst>
+                                            <p:cond delay="0"/>
+                                          </p:stCondLst>
+                                        </p:cTn>
+                                        <p:tgtEl>
+                                          <p:spTgt spid="68"/>
+                                        </p:tgtEl>
+                                        <p:attrNameLst>
+                                          <p:attrName>style.visibility</p:attrName>
+                                        </p:attrNameLst>
+                                      </p:cBhvr>
+                                      <p:to>
+                                        <p:strVal val="visible"/>
+                                      </p:to>
+                                    </p:set>
+                                  </p:childTnLst>
+                                </p:cTn>
+                              </p:par>
+                              <p:par>
+                                <p:cTn id="13" presetID="1" presetClass="entr" presetSubtype="0" fill="hold" grpId="0" nodeType="withEffect">
+                                  <p:stCondLst>
+                                    <p:cond delay="0"/>
+                                  </p:stCondLst>
+                                  <p:childTnLst>
+                                    <p:set>
+                                      <p:cBhvr>
+                                        <p:cTn id="14" dur="1" fill="hold">
+                                          <p:stCondLst>
+                                            <p:cond delay="0"/>
+                                          </p:stCondLst>
+                                        </p:cTn>
+                                        <p:tgtEl>
+                                          <p:spTgt spid="47"/>
+                                        </p:tgtEl>
+                                        <p:attrNameLst>
+                                          <p:attrName>style.visibility</p:attrName>
+                                        </p:attrNameLst>
+                                      </p:cBhvr>
+                                      <p:to>
+                                        <p:strVal val="visible"/>
+                                      </p:to>
+                                    </p:set>
+                                  </p:childTnLst>
+                                </p:cTn>
+                              </p:par>
+                              <p:par>
+                                <p:cTn id="15" presetID="1" presetClass="entr" presetSubtype="0" fill="hold" nodeType="withEffect">
+                                  <p:stCondLst>
+                                    <p:cond delay="0"/>
+                                  </p:stCondLst>
+                                  <p:childTnLst>
+                                    <p:set>
+                                      <p:cBhvr>
+                                        <p:cTn id="16" dur="1" fill="hold">
+                                          <p:stCondLst>
+                                            <p:cond delay="0"/>
+                                          </p:stCondLst>
+                                        </p:cTn>
+                                        <p:tgtEl>
+                                          <p:spTgt spid="61"/>
+                                        </p:tgtEl>
+                                        <p:attrNameLst>
+                                          <p:attrName>style.visibility</p:attrName>
+                                        </p:attrNameLst>
+                                      </p:cBhvr>
+                                      <p:to>
+                                        <p:strVal val="visible"/>
+                                      </p:to>
+                                    </p:set>
+                                  </p:childTnLst>
+                                </p:cTn>
+                              </p:par>
+                            </p:childTnLst>
+                          </p:cTn>
+                        </p:par>
+                      </p:childTnLst>
+                    </p:cTn>
+                  </p:par>
+                  <p:par>
+                    <p:cTn id="17" fill="hold">
+                      <p:stCondLst>
+                        <p:cond delay="indefinite"/>
+                      </p:stCondLst>
+                      <p:childTnLst>
+                        <p:par>
+                          <p:cTn id="18" fill="hold">
+                            <p:stCondLst>
+                              <p:cond delay="0"/>
+                            </p:stCondLst>
+                            <p:childTnLst>
+                              <p:par>
+                                <p:cTn id="19" presetID="1" presetClass="entr" presetSubtype="0" fill="hold" grpId="0" nodeType="clickEffect">
+                                  <p:stCondLst>
+                                    <p:cond delay="0"/>
+                                  </p:stCondLst>
+                                  <p:childTnLst>
+                                    <p:set>
+                                      <p:cBhvr>
+                                        <p:cTn id="20" dur="1" fill="hold">
                                           <p:stCondLst>
                                             <p:cond delay="0"/>
                                           </p:stCondLst>
@@ -6435,14 +6664,14 @@
                                 </p:cTn>
                               </p:par>
                               <p:par>
-                                <p:cTn id="19" presetID="1" presetClass="entr" presetSubtype="0" fill="hold" nodeType="withEffect">
+                                <p:cTn id="21" presetID="1" presetClass="entr" presetSubtype="0" fill="hold" nodeType="withEffect">
                                   <p:stCondLst>
                                     <p:cond delay="0"/>
                                   </p:stCondLst>
                                   <p:childTnLst>
                                     <p:set>
                                       <p:cBhvr>
-                                        <p:cTn id="20" dur="1" fill="hold">
+                                        <p:cTn id="22" dur="1" fill="hold">
                                           <p:stCondLst>
                                             <p:cond delay="0"/>
                                           </p:stCondLst>
@@ -6468,26 +6697,26 @@
                     </p:cTn>
                   </p:par>
                   <p:par>
-                    <p:cTn id="21" fill="hold">
+                    <p:cTn id="23" fill="hold">
                       <p:stCondLst>
                         <p:cond delay="indefinite"/>
                       </p:stCondLst>
                       <p:childTnLst>
                         <p:par>
-                          <p:cTn id="22" fill="hold">
+                          <p:cTn id="24" fill="hold">
                             <p:stCondLst>
                               <p:cond delay="0"/>
                             </p:stCondLst>
                             <p:childTnLst>
                               <p:par>
-                                <p:cTn id="23" presetID="1" presetClass="entr" presetSubtype="0" fill="hold" grpId="0" nodeType="clickEffect">
+                                <p:cTn id="25" presetID="1" presetClass="entr" presetSubtype="0" fill="hold" grpId="0" nodeType="clickEffect">
                                   <p:stCondLst>
                                     <p:cond delay="0"/>
                                   </p:stCondLst>
                                   <p:childTnLst>
                                     <p:set>
                                       <p:cBhvr>
-                                        <p:cTn id="24" dur="1" fill="hold">
+                                        <p:cTn id="26" dur="1" fill="hold">
                                           <p:stCondLst>
                                             <p:cond delay="0"/>
                                           </p:stCondLst>
@@ -6507,14 +6736,14 @@
                                 </p:cTn>
                               </p:par>
                               <p:par>
-                                <p:cTn id="25" presetID="1" presetClass="entr" presetSubtype="0" fill="hold" nodeType="withEffect">
+                                <p:cTn id="27" presetID="1" presetClass="entr" presetSubtype="0" fill="hold" nodeType="withEffect">
                                   <p:stCondLst>
                                     <p:cond delay="0"/>
                                   </p:stCondLst>
                                   <p:childTnLst>
                                     <p:set>
                                       <p:cBhvr>
-                                        <p:cTn id="26" dur="1" fill="hold">
+                                        <p:cTn id="28" dur="1" fill="hold">
                                           <p:stCondLst>
                                             <p:cond delay="0"/>
                                           </p:stCondLst>
@@ -6540,26 +6769,26 @@
                     </p:cTn>
                   </p:par>
                   <p:par>
-                    <p:cTn id="27" fill="hold">
+                    <p:cTn id="29" fill="hold">
                       <p:stCondLst>
                         <p:cond delay="indefinite"/>
                       </p:stCondLst>
                       <p:childTnLst>
                         <p:par>
-                          <p:cTn id="28" fill="hold">
+                          <p:cTn id="30" fill="hold">
                             <p:stCondLst>
                               <p:cond delay="0"/>
                             </p:stCondLst>
                             <p:childTnLst>
                               <p:par>
-                                <p:cTn id="29" presetID="1" presetClass="entr" presetSubtype="0" fill="hold" grpId="0" nodeType="clickEffect">
+                                <p:cTn id="31" presetID="1" presetClass="entr" presetSubtype="0" fill="hold" grpId="0" nodeType="clickEffect">
                                   <p:stCondLst>
                                     <p:cond delay="0"/>
                                   </p:stCondLst>
                                   <p:childTnLst>
                                     <p:set>
                                       <p:cBhvr>
-                                        <p:cTn id="30" dur="1" fill="hold">
+                                        <p:cTn id="32" dur="1" fill="hold">
                                           <p:stCondLst>
                                             <p:cond delay="0"/>
                                           </p:stCondLst>
@@ -6578,26 +6807,8 @@
                                   </p:childTnLst>
                                 </p:cTn>
                               </p:par>
-                            </p:childTnLst>
-                          </p:cTn>
-                        </p:par>
-                      </p:childTnLst>
-                    </p:cTn>
-                  </p:par>
-                  <p:par>
-                    <p:cTn id="31" fill="hold">
-                      <p:stCondLst>
-                        <p:cond delay="indefinite"/>
-                      </p:stCondLst>
-                      <p:childTnLst>
-                        <p:par>
-                          <p:cTn id="32" fill="hold">
-                            <p:stCondLst>
-                              <p:cond delay="0"/>
-                            </p:stCondLst>
-                            <p:childTnLst>
                               <p:par>
-                                <p:cTn id="33" presetID="1" presetClass="entr" presetSubtype="0" fill="hold" grpId="0" nodeType="clickEffect">
+                                <p:cTn id="33" presetID="1" presetClass="exit" presetSubtype="0" fill="hold" grpId="1" nodeType="withEffect">
                                   <p:stCondLst>
                                     <p:cond delay="0"/>
                                   </p:stCondLst>
@@ -6610,48 +6821,39 @@
                                           </p:stCondLst>
                                         </p:cTn>
                                         <p:tgtEl>
-                                          <p:spTgt spid="60"/>
+                                          <p:spTgt spid="66"/>
                                         </p:tgtEl>
                                         <p:attrNameLst>
                                           <p:attrName>style.visibility</p:attrName>
                                         </p:attrNameLst>
                                       </p:cBhvr>
                                       <p:to>
-                                        <p:strVal val="visible"/>
+                                        <p:strVal val="hidden"/>
                                       </p:to>
                                     </p:set>
                                   </p:childTnLst>
                                 </p:cTn>
                               </p:par>
+                            </p:childTnLst>
+                          </p:cTn>
+                        </p:par>
+                      </p:childTnLst>
+                    </p:cTn>
+                  </p:par>
+                  <p:par>
+                    <p:cTn id="35" fill="hold">
+                      <p:stCondLst>
+                        <p:cond delay="indefinite"/>
+                      </p:stCondLst>
+                      <p:childTnLst>
+                        <p:par>
+                          <p:cTn id="36" fill="hold">
+                            <p:stCondLst>
+                              <p:cond delay="0"/>
+                            </p:stCondLst>
+                            <p:childTnLst>
                               <p:par>
-                                <p:cTn id="35" presetID="1" presetClass="entr" presetSubtype="0" fill="hold" nodeType="withEffect">
-                                  <p:stCondLst>
-                                    <p:cond delay="0"/>
-                                  </p:stCondLst>
-                                  <p:childTnLst>
-                                    <p:set>
-                                      <p:cBhvr>
-                                        <p:cTn id="36" dur="1" fill="hold">
-                                          <p:stCondLst>
-                                            <p:cond delay="0"/>
-                                          </p:stCondLst>
-                                        </p:cTn>
-                                        <p:tgtEl>
-                                          <p:spTgt spid="62"/>
-                                        </p:tgtEl>
-                                        <p:attrNameLst>
-                                          <p:attrName>style.visibility</p:attrName>
-                                        </p:attrNameLst>
-                                      </p:cBhvr>
-                                      <p:to>
-                                        <p:strVal val="visible"/>
-                                      </p:to>
-                                    </p:set>
-                                  </p:childTnLst>
-                                </p:cTn>
-                              </p:par>
-                              <p:par>
-                                <p:cTn id="37" presetID="1" presetClass="entr" presetSubtype="0" fill="hold" grpId="0" nodeType="withEffect">
+                                <p:cTn id="37" presetID="1" presetClass="entr" presetSubtype="0" fill="hold" grpId="0" nodeType="clickEffect">
                                   <p:stCondLst>
                                     <p:cond delay="0"/>
                                   </p:stCondLst>
@@ -6664,7 +6866,7 @@
                                           </p:stCondLst>
                                         </p:cTn>
                                         <p:tgtEl>
-                                          <p:spTgt spid="43"/>
+                                          <p:spTgt spid="60"/>
                                         </p:tgtEl>
                                         <p:attrNameLst>
                                           <p:attrName>style.visibility</p:attrName>
@@ -6691,6 +6893,60 @@
                                           </p:stCondLst>
                                         </p:cTn>
                                         <p:tgtEl>
+                                          <p:spTgt spid="62"/>
+                                        </p:tgtEl>
+                                        <p:attrNameLst>
+                                          <p:attrName>style.visibility</p:attrName>
+                                        </p:attrNameLst>
+                                      </p:cBhvr>
+                                      <p:to>
+                                        <p:strVal val="visible"/>
+                                      </p:to>
+                                    </p:set>
+                                  </p:childTnLst>
+                                </p:cTn>
+                              </p:par>
+                              <p:par>
+                                <p:cTn id="41" presetID="1" presetClass="entr" presetSubtype="0" fill="hold" grpId="0" nodeType="withEffect">
+                                  <p:stCondLst>
+                                    <p:cond delay="0"/>
+                                  </p:stCondLst>
+                                  <p:childTnLst>
+                                    <p:set>
+                                      <p:cBhvr>
+                                        <p:cTn id="42" dur="1" fill="hold">
+                                          <p:stCondLst>
+                                            <p:cond delay="0"/>
+                                          </p:stCondLst>
+                                        </p:cTn>
+                                        <p:tgtEl>
+                                          <p:spTgt spid="43"/>
+                                        </p:tgtEl>
+                                        <p:attrNameLst>
+                                          <p:attrName>style.visibility</p:attrName>
+                                        </p:attrNameLst>
+                                      </p:cBhvr>
+                                      <p:to>
+                                        <p:strVal val="visible"/>
+                                      </p:to>
+                                    </p:set>
+                                  </p:childTnLst>
+                                </p:cTn>
+                              </p:par>
+                              <p:par>
+                                <p:cTn id="43" presetID="1" presetClass="entr" presetSubtype="0" fill="hold" nodeType="withEffect">
+                                  <p:stCondLst>
+                                    <p:cond delay="0"/>
+                                  </p:stCondLst>
+                                  <p:childTnLst>
+                                    <p:set>
+                                      <p:cBhvr>
+                                        <p:cTn id="44" dur="1" fill="hold">
+                                          <p:stCondLst>
+                                            <p:cond delay="0"/>
+                                          </p:stCondLst>
+                                        </p:cTn>
+                                        <p:tgtEl>
                                           <p:spTgt spid="102"/>
                                         </p:tgtEl>
                                         <p:attrNameLst>
@@ -6705,52 +6961,7 @@
                                 </p:cTn>
                               </p:par>
                               <p:par>
-                                <p:cTn id="41" presetID="1" presetClass="entr" presetSubtype="0" fill="hold" nodeType="withEffect">
-                                  <p:stCondLst>
-                                    <p:cond delay="0"/>
-                                  </p:stCondLst>
-                                  <p:childTnLst>
-                                    <p:set>
-                                      <p:cBhvr>
-                                        <p:cTn id="42" dur="1" fill="hold">
-                                          <p:stCondLst>
-                                            <p:cond delay="0"/>
-                                          </p:stCondLst>
-                                        </p:cTn>
-                                        <p:tgtEl>
-                                          <p:spTgt spid="63"/>
-                                        </p:tgtEl>
-                                        <p:attrNameLst>
-                                          <p:attrName>style.visibility</p:attrName>
-                                        </p:attrNameLst>
-                                      </p:cBhvr>
-                                      <p:to>
-                                        <p:strVal val="visible"/>
-                                      </p:to>
-                                    </p:set>
-                                  </p:childTnLst>
-                                </p:cTn>
-                              </p:par>
-                            </p:childTnLst>
-                          </p:cTn>
-                        </p:par>
-                      </p:childTnLst>
-                    </p:cTn>
-                  </p:par>
-                  <p:par>
-                    <p:cTn id="43" fill="hold">
-                      <p:stCondLst>
-                        <p:cond delay="indefinite"/>
-                      </p:stCondLst>
-                      <p:childTnLst>
-                        <p:par>
-                          <p:cTn id="44" fill="hold">
-                            <p:stCondLst>
-                              <p:cond delay="0"/>
-                            </p:stCondLst>
-                            <p:childTnLst>
-                              <p:par>
-                                <p:cTn id="45" presetID="1" presetClass="entr" presetSubtype="0" fill="hold" grpId="0" nodeType="clickEffect">
+                                <p:cTn id="45" presetID="1" presetClass="entr" presetSubtype="0" fill="hold" nodeType="withEffect">
                                   <p:stCondLst>
                                     <p:cond delay="0"/>
                                   </p:stCondLst>
@@ -6763,7 +6974,7 @@
                                           </p:stCondLst>
                                         </p:cTn>
                                         <p:tgtEl>
-                                          <p:spTgt spid="69"/>
+                                          <p:spTgt spid="63"/>
                                         </p:tgtEl>
                                         <p:attrNameLst>
                                           <p:attrName>style.visibility</p:attrName>
@@ -6808,6 +7019,150 @@
                                           </p:stCondLst>
                                         </p:cTn>
                                         <p:tgtEl>
+                                          <p:spTgt spid="79"/>
+                                        </p:tgtEl>
+                                        <p:attrNameLst>
+                                          <p:attrName>style.visibility</p:attrName>
+                                        </p:attrNameLst>
+                                      </p:cBhvr>
+                                      <p:to>
+                                        <p:strVal val="visible"/>
+                                      </p:to>
+                                    </p:set>
+                                  </p:childTnLst>
+                                </p:cTn>
+                              </p:par>
+                            </p:childTnLst>
+                          </p:cTn>
+                        </p:par>
+                      </p:childTnLst>
+                    </p:cTn>
+                  </p:par>
+                  <p:par>
+                    <p:cTn id="51" fill="hold">
+                      <p:stCondLst>
+                        <p:cond delay="indefinite"/>
+                      </p:stCondLst>
+                      <p:childTnLst>
+                        <p:par>
+                          <p:cTn id="52" fill="hold">
+                            <p:stCondLst>
+                              <p:cond delay="0"/>
+                            </p:stCondLst>
+                            <p:childTnLst>
+                              <p:par>
+                                <p:cTn id="53" presetID="1" presetClass="entr" presetSubtype="0" fill="hold" grpId="0" nodeType="clickEffect">
+                                  <p:stCondLst>
+                                    <p:cond delay="0"/>
+                                  </p:stCondLst>
+                                  <p:childTnLst>
+                                    <p:set>
+                                      <p:cBhvr>
+                                        <p:cTn id="54" dur="1" fill="hold">
+                                          <p:stCondLst>
+                                            <p:cond delay="0"/>
+                                          </p:stCondLst>
+                                        </p:cTn>
+                                        <p:tgtEl>
+                                          <p:spTgt spid="69"/>
+                                        </p:tgtEl>
+                                        <p:attrNameLst>
+                                          <p:attrName>style.visibility</p:attrName>
+                                        </p:attrNameLst>
+                                      </p:cBhvr>
+                                      <p:to>
+                                        <p:strVal val="visible"/>
+                                      </p:to>
+                                    </p:set>
+                                  </p:childTnLst>
+                                </p:cTn>
+                              </p:par>
+                              <p:par>
+                                <p:cTn id="55" presetID="1" presetClass="exit" presetSubtype="0" fill="hold" grpId="1" nodeType="withEffect">
+                                  <p:stCondLst>
+                                    <p:cond delay="0"/>
+                                  </p:stCondLst>
+                                  <p:childTnLst>
+                                    <p:set>
+                                      <p:cBhvr>
+                                        <p:cTn id="56" dur="1" fill="hold">
+                                          <p:stCondLst>
+                                            <p:cond delay="0"/>
+                                          </p:stCondLst>
+                                        </p:cTn>
+                                        <p:tgtEl>
+                                          <p:spTgt spid="79"/>
+                                        </p:tgtEl>
+                                        <p:attrNameLst>
+                                          <p:attrName>style.visibility</p:attrName>
+                                        </p:attrNameLst>
+                                      </p:cBhvr>
+                                      <p:to>
+                                        <p:strVal val="hidden"/>
+                                      </p:to>
+                                    </p:set>
+                                  </p:childTnLst>
+                                </p:cTn>
+                              </p:par>
+                              <p:par>
+                                <p:cTn id="57" presetID="1" presetClass="exit" presetSubtype="0" fill="hold" grpId="1" nodeType="withEffect">
+                                  <p:stCondLst>
+                                    <p:cond delay="0"/>
+                                  </p:stCondLst>
+                                  <p:childTnLst>
+                                    <p:set>
+                                      <p:cBhvr>
+                                        <p:cTn id="58" dur="1" fill="hold">
+                                          <p:stCondLst>
+                                            <p:cond delay="0"/>
+                                          </p:stCondLst>
+                                        </p:cTn>
+                                        <p:tgtEl>
+                                          <p:spTgt spid="43"/>
+                                        </p:tgtEl>
+                                        <p:attrNameLst>
+                                          <p:attrName>style.visibility</p:attrName>
+                                        </p:attrNameLst>
+                                      </p:cBhvr>
+                                      <p:to>
+                                        <p:strVal val="hidden"/>
+                                      </p:to>
+                                    </p:set>
+                                  </p:childTnLst>
+                                </p:cTn>
+                              </p:par>
+                            </p:childTnLst>
+                          </p:cTn>
+                        </p:par>
+                      </p:childTnLst>
+                    </p:cTn>
+                  </p:par>
+                  <p:par>
+                    <p:cTn id="59" fill="hold">
+                      <p:stCondLst>
+                        <p:cond delay="indefinite"/>
+                      </p:stCondLst>
+                      <p:childTnLst>
+                        <p:par>
+                          <p:cTn id="60" fill="hold">
+                            <p:stCondLst>
+                              <p:cond delay="0"/>
+                            </p:stCondLst>
+                            <p:childTnLst>
+                              <p:par>
+                                <p:cTn id="61" presetID="1" presetClass="entr" presetSubtype="0" fill="hold" grpId="0" nodeType="clickEffect">
+                                  <p:stCondLst>
+                                    <p:cond delay="0"/>
+                                  </p:stCondLst>
+                                  <p:childTnLst>
+                                    <p:set>
+                                      <p:cBhvr>
+                                        <p:cTn id="62" dur="1" fill="hold">
+                                          <p:stCondLst>
+                                            <p:cond delay="0"/>
+                                          </p:stCondLst>
+                                        </p:cTn>
+                                        <p:tgtEl>
                                           <p:spTgt spid="108"/>
                                         </p:tgtEl>
                                         <p:attrNameLst>
@@ -6822,14 +7177,14 @@
                                 </p:cTn>
                               </p:par>
                               <p:par>
-                                <p:cTn id="51" presetID="1" presetClass="entr" presetSubtype="0" fill="hold" nodeType="withEffect">
+                                <p:cTn id="63" presetID="1" presetClass="entr" presetSubtype="0" fill="hold" nodeType="withEffect">
                                   <p:stCondLst>
                                     <p:cond delay="0"/>
                                   </p:stCondLst>
                                   <p:childTnLst>
                                     <p:set>
                                       <p:cBhvr>
-                                        <p:cTn id="52" dur="1" fill="hold">
+                                        <p:cTn id="64" dur="1" fill="hold">
                                           <p:stCondLst>
                                             <p:cond delay="0"/>
                                           </p:stCondLst>
@@ -6855,26 +7210,26 @@
                     </p:cTn>
                   </p:par>
                   <p:par>
-                    <p:cTn id="53" fill="hold">
+                    <p:cTn id="65" fill="hold">
                       <p:stCondLst>
                         <p:cond delay="indefinite"/>
                       </p:stCondLst>
                       <p:childTnLst>
                         <p:par>
-                          <p:cTn id="54" fill="hold">
+                          <p:cTn id="66" fill="hold">
                             <p:stCondLst>
                               <p:cond delay="0"/>
                             </p:stCondLst>
                             <p:childTnLst>
                               <p:par>
-                                <p:cTn id="55" presetID="1" presetClass="entr" presetSubtype="0" fill="hold" grpId="0" nodeType="clickEffect">
+                                <p:cTn id="67" presetID="1" presetClass="entr" presetSubtype="0" fill="hold" grpId="0" nodeType="clickEffect">
                                   <p:stCondLst>
                                     <p:cond delay="0"/>
                                   </p:stCondLst>
                                   <p:childTnLst>
                                     <p:set>
                                       <p:cBhvr>
-                                        <p:cTn id="56" dur="1" fill="hold">
+                                        <p:cTn id="68" dur="1" fill="hold">
                                           <p:stCondLst>
                                             <p:cond delay="0"/>
                                           </p:stCondLst>
@@ -6894,14 +7249,14 @@
                                 </p:cTn>
                               </p:par>
                               <p:par>
-                                <p:cTn id="57" presetID="1" presetClass="entr" presetSubtype="0" fill="hold" nodeType="withEffect">
+                                <p:cTn id="69" presetID="1" presetClass="entr" presetSubtype="0" fill="hold" nodeType="withEffect">
                                   <p:stCondLst>
                                     <p:cond delay="0"/>
                                   </p:stCondLst>
                                   <p:childTnLst>
                                     <p:set>
                                       <p:cBhvr>
-                                        <p:cTn id="58" dur="1" fill="hold">
+                                        <p:cTn id="70" dur="1" fill="hold">
                                           <p:stCondLst>
                                             <p:cond delay="0"/>
                                           </p:stCondLst>
@@ -6921,14 +7276,14 @@
                                 </p:cTn>
                               </p:par>
                               <p:par>
-                                <p:cTn id="59" presetID="1" presetClass="entr" presetSubtype="0" fill="hold" nodeType="withEffect">
+                                <p:cTn id="71" presetID="1" presetClass="entr" presetSubtype="0" fill="hold" nodeType="withEffect">
                                   <p:stCondLst>
                                     <p:cond delay="0"/>
                                   </p:stCondLst>
                                   <p:childTnLst>
                                     <p:set>
                                       <p:cBhvr>
-                                        <p:cTn id="60" dur="1" fill="hold">
+                                        <p:cTn id="72" dur="1" fill="hold">
                                           <p:stCondLst>
                                             <p:cond delay="0"/>
                                           </p:stCondLst>
@@ -6954,26 +7309,26 @@
                     </p:cTn>
                   </p:par>
                   <p:par>
-                    <p:cTn id="61" fill="hold">
+                    <p:cTn id="73" fill="hold">
                       <p:stCondLst>
                         <p:cond delay="indefinite"/>
                       </p:stCondLst>
                       <p:childTnLst>
                         <p:par>
-                          <p:cTn id="62" fill="hold">
+                          <p:cTn id="74" fill="hold">
                             <p:stCondLst>
                               <p:cond delay="0"/>
                             </p:stCondLst>
                             <p:childTnLst>
                               <p:par>
-                                <p:cTn id="63" presetID="1" presetClass="entr" presetSubtype="0" fill="hold" grpId="0" nodeType="clickEffect">
+                                <p:cTn id="75" presetID="1" presetClass="entr" presetSubtype="0" fill="hold" grpId="0" nodeType="clickEffect">
                                   <p:stCondLst>
                                     <p:cond delay="0"/>
                                   </p:stCondLst>
                                   <p:childTnLst>
                                     <p:set>
                                       <p:cBhvr>
-                                        <p:cTn id="64" dur="1" fill="hold">
+                                        <p:cTn id="76" dur="1" fill="hold">
                                           <p:stCondLst>
                                             <p:cond delay="0"/>
                                           </p:stCondLst>
@@ -6993,14 +7348,14 @@
                                 </p:cTn>
                               </p:par>
                               <p:par>
-                                <p:cTn id="65" presetID="1" presetClass="entr" presetSubtype="0" fill="hold" nodeType="withEffect">
+                                <p:cTn id="77" presetID="1" presetClass="entr" presetSubtype="0" fill="hold" nodeType="withEffect">
                                   <p:stCondLst>
                                     <p:cond delay="0"/>
                                   </p:stCondLst>
                                   <p:childTnLst>
                                     <p:set>
                                       <p:cBhvr>
-                                        <p:cTn id="66" dur="1" fill="hold">
+                                        <p:cTn id="78" dur="1" fill="hold">
                                           <p:stCondLst>
                                             <p:cond delay="0"/>
                                           </p:stCondLst>
@@ -7026,26 +7381,26 @@
                     </p:cTn>
                   </p:par>
                   <p:par>
-                    <p:cTn id="67" fill="hold">
+                    <p:cTn id="79" fill="hold">
                       <p:stCondLst>
                         <p:cond delay="indefinite"/>
                       </p:stCondLst>
                       <p:childTnLst>
                         <p:par>
-                          <p:cTn id="68" fill="hold">
+                          <p:cTn id="80" fill="hold">
                             <p:stCondLst>
                               <p:cond delay="0"/>
                             </p:stCondLst>
                             <p:childTnLst>
                               <p:par>
-                                <p:cTn id="69" presetID="1" presetClass="entr" presetSubtype="0" fill="hold" nodeType="clickEffect">
+                                <p:cTn id="81" presetID="1" presetClass="entr" presetSubtype="0" fill="hold" nodeType="clickEffect">
                                   <p:stCondLst>
                                     <p:cond delay="0"/>
                                   </p:stCondLst>
                                   <p:childTnLst>
                                     <p:set>
                                       <p:cBhvr>
-                                        <p:cTn id="70" dur="1" fill="hold">
+                                        <p:cTn id="82" dur="1" fill="hold">
                                           <p:stCondLst>
                                             <p:cond delay="0"/>
                                           </p:stCondLst>
@@ -7071,26 +7426,26 @@
                     </p:cTn>
                   </p:par>
                   <p:par>
-                    <p:cTn id="71" fill="hold">
+                    <p:cTn id="83" fill="hold">
                       <p:stCondLst>
                         <p:cond delay="indefinite"/>
                       </p:stCondLst>
                       <p:childTnLst>
                         <p:par>
-                          <p:cTn id="72" fill="hold">
+                          <p:cTn id="84" fill="hold">
                             <p:stCondLst>
                               <p:cond delay="0"/>
                             </p:stCondLst>
                             <p:childTnLst>
                               <p:par>
-                                <p:cTn id="73" presetID="1" presetClass="entr" presetSubtype="0" fill="hold" nodeType="clickEffect">
+                                <p:cTn id="85" presetID="1" presetClass="entr" presetSubtype="0" fill="hold" nodeType="clickEffect">
                                   <p:stCondLst>
                                     <p:cond delay="0"/>
                                   </p:stCondLst>
                                   <p:childTnLst>
                                     <p:set>
                                       <p:cBhvr>
-                                        <p:cTn id="74" dur="1" fill="hold">
+                                        <p:cTn id="86" dur="1" fill="hold">
                                           <p:stCondLst>
                                             <p:cond delay="0"/>
                                           </p:stCondLst>
@@ -7110,14 +7465,14 @@
                                 </p:cTn>
                               </p:par>
                               <p:par>
-                                <p:cTn id="75" presetID="1" presetClass="entr" presetSubtype="0" fill="hold" grpId="0" nodeType="withEffect">
+                                <p:cTn id="87" presetID="1" presetClass="entr" presetSubtype="0" fill="hold" grpId="0" nodeType="withEffect">
                                   <p:stCondLst>
                                     <p:cond delay="0"/>
                                   </p:stCondLst>
                                   <p:childTnLst>
                                     <p:set>
                                       <p:cBhvr>
-                                        <p:cTn id="76" dur="1" fill="hold">
+                                        <p:cTn id="88" dur="1" fill="hold">
                                           <p:stCondLst>
                                             <p:cond delay="0"/>
                                           </p:stCondLst>
@@ -7143,26 +7498,26 @@
                     </p:cTn>
                   </p:par>
                   <p:par>
-                    <p:cTn id="77" fill="hold">
+                    <p:cTn id="89" fill="hold">
                       <p:stCondLst>
                         <p:cond delay="indefinite"/>
                       </p:stCondLst>
                       <p:childTnLst>
                         <p:par>
-                          <p:cTn id="78" fill="hold">
+                          <p:cTn id="90" fill="hold">
                             <p:stCondLst>
                               <p:cond delay="0"/>
                             </p:stCondLst>
                             <p:childTnLst>
                               <p:par>
-                                <p:cTn id="79" presetID="1" presetClass="entr" presetSubtype="0" fill="hold" grpId="0" nodeType="clickEffect">
+                                <p:cTn id="91" presetID="1" presetClass="entr" presetSubtype="0" fill="hold" grpId="0" nodeType="clickEffect">
                                   <p:stCondLst>
                                     <p:cond delay="0"/>
                                   </p:stCondLst>
                                   <p:childTnLst>
                                     <p:set>
                                       <p:cBhvr>
-                                        <p:cTn id="80" dur="1" fill="hold">
+                                        <p:cTn id="92" dur="1" fill="hold">
                                           <p:stCondLst>
                                             <p:cond delay="0"/>
                                           </p:stCondLst>
@@ -7182,151 +7537,7 @@
                                 </p:cTn>
                               </p:par>
                               <p:par>
-                                <p:cTn id="81" presetID="1" presetClass="entr" presetSubtype="0" fill="hold" nodeType="withEffect">
-                                  <p:stCondLst>
-                                    <p:cond delay="0"/>
-                                  </p:stCondLst>
-                                  <p:childTnLst>
-                                    <p:set>
-                                      <p:cBhvr>
-                                        <p:cTn id="82" dur="1" fill="hold">
-                                          <p:stCondLst>
-                                            <p:cond delay="0"/>
-                                          </p:stCondLst>
-                                        </p:cTn>
-                                        <p:tgtEl>
-                                          <p:spTgt spid="73"/>
-                                        </p:tgtEl>
-                                        <p:attrNameLst>
-                                          <p:attrName>style.visibility</p:attrName>
-                                        </p:attrNameLst>
-                                      </p:cBhvr>
-                                      <p:to>
-                                        <p:strVal val="visible"/>
-                                      </p:to>
-                                    </p:set>
-                                  </p:childTnLst>
-                                </p:cTn>
-                              </p:par>
-                              <p:par>
-                                <p:cTn id="83" presetID="1" presetClass="entr" presetSubtype="0" fill="hold" nodeType="withEffect">
-                                  <p:stCondLst>
-                                    <p:cond delay="0"/>
-                                  </p:stCondLst>
-                                  <p:childTnLst>
-                                    <p:set>
-                                      <p:cBhvr>
-                                        <p:cTn id="84" dur="1" fill="hold">
-                                          <p:stCondLst>
-                                            <p:cond delay="0"/>
-                                          </p:stCondLst>
-                                        </p:cTn>
-                                        <p:tgtEl>
-                                          <p:spTgt spid="76"/>
-                                        </p:tgtEl>
-                                        <p:attrNameLst>
-                                          <p:attrName>style.visibility</p:attrName>
-                                        </p:attrNameLst>
-                                      </p:cBhvr>
-                                      <p:to>
-                                        <p:strVal val="visible"/>
-                                      </p:to>
-                                    </p:set>
-                                  </p:childTnLst>
-                                </p:cTn>
-                              </p:par>
-                            </p:childTnLst>
-                          </p:cTn>
-                        </p:par>
-                      </p:childTnLst>
-                    </p:cTn>
-                  </p:par>
-                  <p:par>
-                    <p:cTn id="85" fill="hold">
-                      <p:stCondLst>
-                        <p:cond delay="indefinite"/>
-                      </p:stCondLst>
-                      <p:childTnLst>
-                        <p:par>
-                          <p:cTn id="86" fill="hold">
-                            <p:stCondLst>
-                              <p:cond delay="0"/>
-                            </p:stCondLst>
-                            <p:childTnLst>
-                              <p:par>
-                                <p:cTn id="87" presetID="1" presetClass="entr" presetSubtype="0" fill="hold" grpId="0" nodeType="clickEffect">
-                                  <p:stCondLst>
-                                    <p:cond delay="0"/>
-                                  </p:stCondLst>
-                                  <p:childTnLst>
-                                    <p:set>
-                                      <p:cBhvr>
-                                        <p:cTn id="88" dur="1" fill="hold">
-                                          <p:stCondLst>
-                                            <p:cond delay="0"/>
-                                          </p:stCondLst>
-                                        </p:cTn>
-                                        <p:tgtEl>
-                                          <p:spTgt spid="28"/>
-                                        </p:tgtEl>
-                                        <p:attrNameLst>
-                                          <p:attrName>style.visibility</p:attrName>
-                                        </p:attrNameLst>
-                                      </p:cBhvr>
-                                      <p:to>
-                                        <p:strVal val="visible"/>
-                                      </p:to>
-                                    </p:set>
-                                  </p:childTnLst>
-                                </p:cTn>
-                              </p:par>
-                              <p:par>
-                                <p:cTn id="89" presetID="1" presetClass="entr" presetSubtype="0" fill="hold" nodeType="withEffect">
-                                  <p:stCondLst>
-                                    <p:cond delay="0"/>
-                                  </p:stCondLst>
-                                  <p:childTnLst>
-                                    <p:set>
-                                      <p:cBhvr>
-                                        <p:cTn id="90" dur="1" fill="hold">
-                                          <p:stCondLst>
-                                            <p:cond delay="0"/>
-                                          </p:stCondLst>
-                                        </p:cTn>
-                                        <p:tgtEl>
-                                          <p:spTgt spid="31"/>
-                                        </p:tgtEl>
-                                        <p:attrNameLst>
-                                          <p:attrName>style.visibility</p:attrName>
-                                        </p:attrNameLst>
-                                      </p:cBhvr>
-                                      <p:to>
-                                        <p:strVal val="visible"/>
-                                      </p:to>
-                                    </p:set>
-                                  </p:childTnLst>
-                                </p:cTn>
-                              </p:par>
-                            </p:childTnLst>
-                          </p:cTn>
-                        </p:par>
-                      </p:childTnLst>
-                    </p:cTn>
-                  </p:par>
-                  <p:par>
-                    <p:cTn id="91" fill="hold">
-                      <p:stCondLst>
-                        <p:cond delay="indefinite"/>
-                      </p:stCondLst>
-                      <p:childTnLst>
-                        <p:par>
-                          <p:cTn id="92" fill="hold">
-                            <p:stCondLst>
-                              <p:cond delay="0"/>
-                            </p:stCondLst>
-                            <p:childTnLst>
-                              <p:par>
-                                <p:cTn id="93" presetID="1" presetClass="entr" presetSubtype="0" fill="hold" grpId="0" nodeType="clickEffect">
+                                <p:cTn id="93" presetID="1" presetClass="entr" presetSubtype="0" fill="hold" nodeType="withEffect">
                                   <p:stCondLst>
                                     <p:cond delay="0"/>
                                   </p:stCondLst>
@@ -7339,7 +7550,7 @@
                                           </p:stCondLst>
                                         </p:cTn>
                                         <p:tgtEl>
-                                          <p:spTgt spid="58"/>
+                                          <p:spTgt spid="73"/>
                                         </p:tgtEl>
                                         <p:attrNameLst>
                                           <p:attrName>style.visibility</p:attrName>
@@ -7366,7 +7577,7 @@
                                           </p:stCondLst>
                                         </p:cTn>
                                         <p:tgtEl>
-                                          <p:spTgt spid="64"/>
+                                          <p:spTgt spid="76"/>
                                         </p:tgtEl>
                                         <p:attrNameLst>
                                           <p:attrName>style.visibility</p:attrName>
@@ -7411,7 +7622,7 @@
                                           </p:stCondLst>
                                         </p:cTn>
                                         <p:tgtEl>
-                                          <p:spTgt spid="54"/>
+                                          <p:spTgt spid="28"/>
                                         </p:tgtEl>
                                         <p:attrNameLst>
                                           <p:attrName>style.visibility</p:attrName>
@@ -7438,34 +7649,7 @@
                                           </p:stCondLst>
                                         </p:cTn>
                                         <p:tgtEl>
-                                          <p:spTgt spid="88"/>
-                                        </p:tgtEl>
-                                        <p:attrNameLst>
-                                          <p:attrName>style.visibility</p:attrName>
-                                        </p:attrNameLst>
-                                      </p:cBhvr>
-                                      <p:to>
-                                        <p:strVal val="visible"/>
-                                      </p:to>
-                                    </p:set>
-                                  </p:childTnLst>
-                                </p:cTn>
-                              </p:par>
-                              <p:par>
-                                <p:cTn id="103" presetID="1" presetClass="entr" presetSubtype="0" fill="hold" nodeType="withEffect">
-                                  <p:stCondLst>
-                                    <p:cond delay="0"/>
-                                  </p:stCondLst>
-                                  <p:childTnLst>
-                                    <p:set>
-                                      <p:cBhvr>
-                                        <p:cTn id="104" dur="1" fill="hold">
-                                          <p:stCondLst>
-                                            <p:cond delay="0"/>
-                                          </p:stCondLst>
-                                        </p:cTn>
-                                        <p:tgtEl>
-                                          <p:spTgt spid="53"/>
+                                          <p:spTgt spid="31"/>
                                         </p:tgtEl>
                                         <p:attrNameLst>
                                           <p:attrName>style.visibility</p:attrName>
@@ -7485,32 +7669,32 @@
                     </p:cTn>
                   </p:par>
                   <p:par>
-                    <p:cTn id="105" fill="hold">
+                    <p:cTn id="103" fill="hold">
                       <p:stCondLst>
                         <p:cond delay="indefinite"/>
                       </p:stCondLst>
                       <p:childTnLst>
                         <p:par>
-                          <p:cTn id="106" fill="hold">
+                          <p:cTn id="104" fill="hold">
                             <p:stCondLst>
                               <p:cond delay="0"/>
                             </p:stCondLst>
                             <p:childTnLst>
                               <p:par>
-                                <p:cTn id="107" presetID="1" presetClass="entr" presetSubtype="0" fill="hold" grpId="0" nodeType="clickEffect">
+                                <p:cTn id="105" presetID="1" presetClass="entr" presetSubtype="0" fill="hold" grpId="0" nodeType="clickEffect">
                                   <p:stCondLst>
                                     <p:cond delay="0"/>
                                   </p:stCondLst>
                                   <p:childTnLst>
                                     <p:set>
                                       <p:cBhvr>
-                                        <p:cTn id="108" dur="1" fill="hold">
+                                        <p:cTn id="106" dur="1" fill="hold">
                                           <p:stCondLst>
                                             <p:cond delay="0"/>
                                           </p:stCondLst>
                                         </p:cTn>
                                         <p:tgtEl>
-                                          <p:spTgt spid="24"/>
+                                          <p:spTgt spid="58"/>
                                         </p:tgtEl>
                                         <p:attrNameLst>
                                           <p:attrName>style.visibility</p:attrName>
@@ -7524,20 +7708,20 @@
                                 </p:cTn>
                               </p:par>
                               <p:par>
-                                <p:cTn id="109" presetID="1" presetClass="entr" presetSubtype="0" fill="hold" nodeType="withEffect">
+                                <p:cTn id="107" presetID="1" presetClass="entr" presetSubtype="0" fill="hold" nodeType="withEffect">
                                   <p:stCondLst>
                                     <p:cond delay="0"/>
                                   </p:stCondLst>
                                   <p:childTnLst>
                                     <p:set>
                                       <p:cBhvr>
-                                        <p:cTn id="110" dur="1" fill="hold">
+                                        <p:cTn id="108" dur="1" fill="hold">
                                           <p:stCondLst>
                                             <p:cond delay="0"/>
                                           </p:stCondLst>
                                         </p:cTn>
                                         <p:tgtEl>
-                                          <p:spTgt spid="48"/>
+                                          <p:spTgt spid="64"/>
                                         </p:tgtEl>
                                         <p:attrNameLst>
                                           <p:attrName>style.visibility</p:attrName>
@@ -7557,19 +7741,46 @@
                     </p:cTn>
                   </p:par>
                   <p:par>
-                    <p:cTn id="111" fill="hold">
+                    <p:cTn id="109" fill="hold">
                       <p:stCondLst>
                         <p:cond delay="indefinite"/>
                       </p:stCondLst>
                       <p:childTnLst>
                         <p:par>
-                          <p:cTn id="112" fill="hold">
+                          <p:cTn id="110" fill="hold">
                             <p:stCondLst>
                               <p:cond delay="0"/>
                             </p:stCondLst>
                             <p:childTnLst>
                               <p:par>
-                                <p:cTn id="113" presetID="1" presetClass="entr" presetSubtype="0" fill="hold" grpId="0" nodeType="clickEffect">
+                                <p:cTn id="111" presetID="1" presetClass="entr" presetSubtype="0" fill="hold" grpId="0" nodeType="clickEffect">
+                                  <p:stCondLst>
+                                    <p:cond delay="0"/>
+                                  </p:stCondLst>
+                                  <p:childTnLst>
+                                    <p:set>
+                                      <p:cBhvr>
+                                        <p:cTn id="112" dur="1" fill="hold">
+                                          <p:stCondLst>
+                                            <p:cond delay="0"/>
+                                          </p:stCondLst>
+                                        </p:cTn>
+                                        <p:tgtEl>
+                                          <p:spTgt spid="54"/>
+                                        </p:tgtEl>
+                                        <p:attrNameLst>
+                                          <p:attrName>style.visibility</p:attrName>
+                                        </p:attrNameLst>
+                                      </p:cBhvr>
+                                      <p:to>
+                                        <p:strVal val="visible"/>
+                                      </p:to>
+                                    </p:set>
+                                  </p:childTnLst>
+                                </p:cTn>
+                              </p:par>
+                              <p:par>
+                                <p:cTn id="113" presetID="1" presetClass="entr" presetSubtype="0" fill="hold" nodeType="withEffect">
                                   <p:stCondLst>
                                     <p:cond delay="0"/>
                                   </p:stCondLst>
@@ -7582,7 +7793,7 @@
                                           </p:stCondLst>
                                         </p:cTn>
                                         <p:tgtEl>
-                                          <p:spTgt spid="101"/>
+                                          <p:spTgt spid="88"/>
                                         </p:tgtEl>
                                         <p:attrNameLst>
                                           <p:attrName>style.visibility</p:attrName>
@@ -7609,7 +7820,7 @@
                                           </p:stCondLst>
                                         </p:cTn>
                                         <p:tgtEl>
-                                          <p:spTgt spid="110"/>
+                                          <p:spTgt spid="53"/>
                                         </p:tgtEl>
                                         <p:attrNameLst>
                                           <p:attrName>style.visibility</p:attrName>
@@ -7654,7 +7865,7 @@
                                           </p:stCondLst>
                                         </p:cTn>
                                         <p:tgtEl>
-                                          <p:spTgt spid="115"/>
+                                          <p:spTgt spid="24"/>
                                         </p:tgtEl>
                                         <p:attrNameLst>
                                           <p:attrName>style.visibility</p:attrName>
@@ -7681,7 +7892,7 @@
                                           </p:stCondLst>
                                         </p:cTn>
                                         <p:tgtEl>
-                                          <p:spTgt spid="57"/>
+                                          <p:spTgt spid="48"/>
                                         </p:tgtEl>
                                         <p:attrNameLst>
                                           <p:attrName>style.visibility</p:attrName>
@@ -7726,7 +7937,7 @@
                                           </p:stCondLst>
                                         </p:cTn>
                                         <p:tgtEl>
-                                          <p:spTgt spid="55"/>
+                                          <p:spTgt spid="101"/>
                                         </p:tgtEl>
                                         <p:attrNameLst>
                                           <p:attrName>style.visibility</p:attrName>
@@ -7753,7 +7964,7 @@
                                           </p:stCondLst>
                                         </p:cTn>
                                         <p:tgtEl>
-                                          <p:spTgt spid="118"/>
+                                          <p:spTgt spid="110"/>
                                         </p:tgtEl>
                                         <p:attrNameLst>
                                           <p:attrName>style.visibility</p:attrName>
@@ -7785,7 +7996,7 @@
                             </p:stCondLst>
                             <p:childTnLst>
                               <p:par>
-                                <p:cTn id="131" presetID="1" presetClass="entr" presetSubtype="0" fill="hold" nodeType="clickEffect">
+                                <p:cTn id="131" presetID="1" presetClass="entr" presetSubtype="0" fill="hold" grpId="0" nodeType="clickEffect">
                                   <p:stCondLst>
                                     <p:cond delay="0"/>
                                   </p:stCondLst>
@@ -7798,7 +8009,7 @@
                                           </p:stCondLst>
                                         </p:cTn>
                                         <p:tgtEl>
-                                          <p:spTgt spid="100"/>
+                                          <p:spTgt spid="115"/>
                                         </p:tgtEl>
                                         <p:attrNameLst>
                                           <p:attrName>style.visibility</p:attrName>
@@ -7825,61 +8036,7 @@
                                           </p:stCondLst>
                                         </p:cTn>
                                         <p:tgtEl>
-                                          <p:spTgt spid="95"/>
-                                        </p:tgtEl>
-                                        <p:attrNameLst>
-                                          <p:attrName>style.visibility</p:attrName>
-                                        </p:attrNameLst>
-                                      </p:cBhvr>
-                                      <p:to>
-                                        <p:strVal val="visible"/>
-                                      </p:to>
-                                    </p:set>
-                                  </p:childTnLst>
-                                </p:cTn>
-                              </p:par>
-                              <p:par>
-                                <p:cTn id="135" presetID="1" presetClass="entr" presetSubtype="0" fill="hold" nodeType="withEffect">
-                                  <p:stCondLst>
-                                    <p:cond delay="0"/>
-                                  </p:stCondLst>
-                                  <p:childTnLst>
-                                    <p:set>
-                                      <p:cBhvr>
-                                        <p:cTn id="136" dur="1" fill="hold">
-                                          <p:stCondLst>
-                                            <p:cond delay="0"/>
-                                          </p:stCondLst>
-                                        </p:cTn>
-                                        <p:tgtEl>
-                                          <p:spTgt spid="51"/>
-                                        </p:tgtEl>
-                                        <p:attrNameLst>
-                                          <p:attrName>style.visibility</p:attrName>
-                                        </p:attrNameLst>
-                                      </p:cBhvr>
-                                      <p:to>
-                                        <p:strVal val="visible"/>
-                                      </p:to>
-                                    </p:set>
-                                  </p:childTnLst>
-                                </p:cTn>
-                              </p:par>
-                              <p:par>
-                                <p:cTn id="137" presetID="1" presetClass="entr" presetSubtype="0" fill="hold" nodeType="withEffect">
-                                  <p:stCondLst>
-                                    <p:cond delay="0"/>
-                                  </p:stCondLst>
-                                  <p:childTnLst>
-                                    <p:set>
-                                      <p:cBhvr>
-                                        <p:cTn id="138" dur="1" fill="hold">
-                                          <p:stCondLst>
-                                            <p:cond delay="0"/>
-                                          </p:stCondLst>
-                                        </p:cTn>
-                                        <p:tgtEl>
-                                          <p:spTgt spid="130"/>
+                                          <p:spTgt spid="57"/>
                                         </p:tgtEl>
                                         <p:attrNameLst>
                                           <p:attrName>style.visibility</p:attrName>
@@ -7899,32 +8056,59 @@
                     </p:cTn>
                   </p:par>
                   <p:par>
-                    <p:cTn id="139" fill="hold">
+                    <p:cTn id="135" fill="hold">
                       <p:stCondLst>
                         <p:cond delay="indefinite"/>
                       </p:stCondLst>
                       <p:childTnLst>
                         <p:par>
-                          <p:cTn id="140" fill="hold">
+                          <p:cTn id="136" fill="hold">
                             <p:stCondLst>
                               <p:cond delay="0"/>
                             </p:stCondLst>
                             <p:childTnLst>
                               <p:par>
-                                <p:cTn id="141" presetID="1" presetClass="entr" presetSubtype="0" fill="hold" nodeType="clickEffect">
+                                <p:cTn id="137" presetID="1" presetClass="entr" presetSubtype="0" fill="hold" grpId="0" nodeType="clickEffect">
                                   <p:stCondLst>
                                     <p:cond delay="0"/>
                                   </p:stCondLst>
                                   <p:childTnLst>
                                     <p:set>
                                       <p:cBhvr>
-                                        <p:cTn id="142" dur="1" fill="hold">
+                                        <p:cTn id="138" dur="1" fill="hold">
                                           <p:stCondLst>
                                             <p:cond delay="0"/>
                                           </p:stCondLst>
                                         </p:cTn>
                                         <p:tgtEl>
-                                          <p:spTgt spid="71"/>
+                                          <p:spTgt spid="55"/>
+                                        </p:tgtEl>
+                                        <p:attrNameLst>
+                                          <p:attrName>style.visibility</p:attrName>
+                                        </p:attrNameLst>
+                                      </p:cBhvr>
+                                      <p:to>
+                                        <p:strVal val="visible"/>
+                                      </p:to>
+                                    </p:set>
+                                  </p:childTnLst>
+                                </p:cTn>
+                              </p:par>
+                              <p:par>
+                                <p:cTn id="139" presetID="1" presetClass="entr" presetSubtype="0" fill="hold" nodeType="withEffect">
+                                  <p:stCondLst>
+                                    <p:cond delay="0"/>
+                                  </p:stCondLst>
+                                  <p:childTnLst>
+                                    <p:set>
+                                      <p:cBhvr>
+                                        <p:cTn id="140" dur="1" fill="hold">
+                                          <p:stCondLst>
+                                            <p:cond delay="0"/>
+                                          </p:stCondLst>
+                                        </p:cTn>
+                                        <p:tgtEl>
+                                          <p:spTgt spid="118"/>
                                         </p:tgtEl>
                                         <p:attrNameLst>
                                           <p:attrName>style.visibility</p:attrName>
@@ -7944,19 +8128,46 @@
                     </p:cTn>
                   </p:par>
                   <p:par>
-                    <p:cTn id="143" fill="hold">
+                    <p:cTn id="141" fill="hold">
                       <p:stCondLst>
                         <p:cond delay="indefinite"/>
                       </p:stCondLst>
                       <p:childTnLst>
                         <p:par>
-                          <p:cTn id="144" fill="hold">
+                          <p:cTn id="142" fill="hold">
                             <p:stCondLst>
                               <p:cond delay="0"/>
                             </p:stCondLst>
                             <p:childTnLst>
                               <p:par>
-                                <p:cTn id="145" presetID="1" presetClass="entr" presetSubtype="0" fill="hold" grpId="0" nodeType="clickEffect">
+                                <p:cTn id="143" presetID="1" presetClass="entr" presetSubtype="0" fill="hold" grpId="0" nodeType="clickEffect">
+                                  <p:stCondLst>
+                                    <p:cond delay="0"/>
+                                  </p:stCondLst>
+                                  <p:childTnLst>
+                                    <p:set>
+                                      <p:cBhvr>
+                                        <p:cTn id="144" dur="1" fill="hold">
+                                          <p:stCondLst>
+                                            <p:cond delay="0"/>
+                                          </p:stCondLst>
+                                        </p:cTn>
+                                        <p:tgtEl>
+                                          <p:spTgt spid="77"/>
+                                        </p:tgtEl>
+                                        <p:attrNameLst>
+                                          <p:attrName>style.visibility</p:attrName>
+                                        </p:attrNameLst>
+                                      </p:cBhvr>
+                                      <p:to>
+                                        <p:strVal val="visible"/>
+                                      </p:to>
+                                    </p:set>
+                                  </p:childTnLst>
+                                </p:cTn>
+                              </p:par>
+                              <p:par>
+                                <p:cTn id="145" presetID="1" presetClass="entr" presetSubtype="0" fill="hold" nodeType="withEffect">
                                   <p:stCondLst>
                                     <p:cond delay="0"/>
                                   </p:stCondLst>
@@ -7969,7 +8180,7 @@
                                           </p:stCondLst>
                                         </p:cTn>
                                         <p:tgtEl>
-                                          <p:spTgt spid="94"/>
+                                          <p:spTgt spid="74"/>
                                         </p:tgtEl>
                                         <p:attrNameLst>
                                           <p:attrName>style.visibility</p:attrName>
@@ -8001,7 +8212,7 @@
                             </p:stCondLst>
                             <p:childTnLst>
                               <p:par>
-                                <p:cTn id="149" presetID="1" presetClass="entr" presetSubtype="0" fill="hold" grpId="0" nodeType="clickEffect">
+                                <p:cTn id="149" presetID="1" presetClass="entr" presetSubtype="0" fill="hold" nodeType="clickEffect">
                                   <p:stCondLst>
                                     <p:cond delay="0"/>
                                   </p:stCondLst>
@@ -8014,7 +8225,7 @@
                                           </p:stCondLst>
                                         </p:cTn>
                                         <p:tgtEl>
-                                          <p:spTgt spid="26"/>
+                                          <p:spTgt spid="100"/>
                                         </p:tgtEl>
                                         <p:attrNameLst>
                                           <p:attrName>style.visibility</p:attrName>
@@ -8041,7 +8252,7 @@
                                           </p:stCondLst>
                                         </p:cTn>
                                         <p:tgtEl>
-                                          <p:spTgt spid="49"/>
+                                          <p:spTgt spid="78"/>
                                         </p:tgtEl>
                                         <p:attrNameLst>
                                           <p:attrName>style.visibility</p:attrName>
@@ -8054,26 +8265,35 @@
                                   </p:childTnLst>
                                 </p:cTn>
                               </p:par>
-                            </p:childTnLst>
-                          </p:cTn>
-                        </p:par>
-                      </p:childTnLst>
-                    </p:cTn>
-                  </p:par>
-                  <p:par>
-                    <p:cTn id="153" fill="hold">
-                      <p:stCondLst>
-                        <p:cond delay="indefinite"/>
-                      </p:stCondLst>
-                      <p:childTnLst>
-                        <p:par>
-                          <p:cTn id="154" fill="hold">
-                            <p:stCondLst>
-                              <p:cond delay="0"/>
-                            </p:stCondLst>
-                            <p:childTnLst>
                               <p:par>
-                                <p:cTn id="155" presetID="1" presetClass="entr" presetSubtype="0" fill="hold" grpId="0" nodeType="clickEffect">
+                                <p:cTn id="153" presetID="1" presetClass="entr" presetSubtype="0" fill="hold" nodeType="withEffect">
+                                  <p:stCondLst>
+                                    <p:cond delay="0"/>
+                                  </p:stCondLst>
+                                  <p:childTnLst>
+                                    <p:set>
+                                      <p:cBhvr>
+                                        <p:cTn id="154" dur="1" fill="hold">
+                                          <p:stCondLst>
+                                            <p:cond delay="0"/>
+                                          </p:stCondLst>
+                                        </p:cTn>
+                                        <p:tgtEl>
+                                          <p:spTgt spid="95"/>
+                                        </p:tgtEl>
+                                        <p:attrNameLst>
+                                          <p:attrName>style.visibility</p:attrName>
+                                        </p:attrNameLst>
+                                      </p:cBhvr>
+                                      <p:to>
+                                        <p:strVal val="visible"/>
+                                      </p:to>
+                                    </p:set>
+                                  </p:childTnLst>
+                                </p:cTn>
+                              </p:par>
+                              <p:par>
+                                <p:cTn id="155" presetID="1" presetClass="entr" presetSubtype="0" fill="hold" nodeType="withEffect">
                                   <p:stCondLst>
                                     <p:cond delay="0"/>
                                   </p:stCondLst>
@@ -8086,7 +8306,7 @@
                                           </p:stCondLst>
                                         </p:cTn>
                                         <p:tgtEl>
-                                          <p:spTgt spid="119"/>
+                                          <p:spTgt spid="51"/>
                                         </p:tgtEl>
                                         <p:attrNameLst>
                                           <p:attrName>style.visibility</p:attrName>
@@ -8113,7 +8333,7 @@
                                           </p:stCondLst>
                                         </p:cTn>
                                         <p:tgtEl>
-                                          <p:spTgt spid="112"/>
+                                          <p:spTgt spid="130"/>
                                         </p:tgtEl>
                                         <p:attrNameLst>
                                           <p:attrName>style.visibility</p:attrName>
@@ -8145,7 +8365,7 @@
                             </p:stCondLst>
                             <p:childTnLst>
                               <p:par>
-                                <p:cTn id="161" presetID="1" presetClass="entr" presetSubtype="0" fill="hold" grpId="0" nodeType="clickEffect">
+                                <p:cTn id="161" presetID="1" presetClass="entr" presetSubtype="0" fill="hold" nodeType="clickEffect">
                                   <p:stCondLst>
                                     <p:cond delay="0"/>
                                   </p:stCondLst>
@@ -8158,7 +8378,7 @@
                                           </p:stCondLst>
                                         </p:cTn>
                                         <p:tgtEl>
-                                          <p:spTgt spid="96"/>
+                                          <p:spTgt spid="71"/>
                                         </p:tgtEl>
                                         <p:attrNameLst>
                                           <p:attrName>style.visibility</p:attrName>
@@ -8171,35 +8391,26 @@
                                   </p:childTnLst>
                                 </p:cTn>
                               </p:par>
+                            </p:childTnLst>
+                          </p:cTn>
+                        </p:par>
+                      </p:childTnLst>
+                    </p:cTn>
+                  </p:par>
+                  <p:par>
+                    <p:cTn id="163" fill="hold">
+                      <p:stCondLst>
+                        <p:cond delay="indefinite"/>
+                      </p:stCondLst>
+                      <p:childTnLst>
+                        <p:par>
+                          <p:cTn id="164" fill="hold">
+                            <p:stCondLst>
+                              <p:cond delay="0"/>
+                            </p:stCondLst>
+                            <p:childTnLst>
                               <p:par>
-                                <p:cTn id="163" presetID="1" presetClass="entr" presetSubtype="0" fill="hold" nodeType="withEffect">
-                                  <p:stCondLst>
-                                    <p:cond delay="0"/>
-                                  </p:stCondLst>
-                                  <p:childTnLst>
-                                    <p:set>
-                                      <p:cBhvr>
-                                        <p:cTn id="164" dur="1" fill="hold">
-                                          <p:stCondLst>
-                                            <p:cond delay="0"/>
-                                          </p:stCondLst>
-                                        </p:cTn>
-                                        <p:tgtEl>
-                                          <p:spTgt spid="97"/>
-                                        </p:tgtEl>
-                                        <p:attrNameLst>
-                                          <p:attrName>style.visibility</p:attrName>
-                                        </p:attrNameLst>
-                                      </p:cBhvr>
-                                      <p:to>
-                                        <p:strVal val="visible"/>
-                                      </p:to>
-                                    </p:set>
-                                  </p:childTnLst>
-                                </p:cTn>
-                              </p:par>
-                              <p:par>
-                                <p:cTn id="165" presetID="1" presetClass="entr" presetSubtype="0" fill="hold" nodeType="withEffect">
+                                <p:cTn id="165" presetID="1" presetClass="entr" presetSubtype="0" fill="hold" grpId="0" nodeType="clickEffect">
                                   <p:stCondLst>
                                     <p:cond delay="0"/>
                                   </p:stCondLst>
@@ -8212,7 +8423,7 @@
                                           </p:stCondLst>
                                         </p:cTn>
                                         <p:tgtEl>
-                                          <p:spTgt spid="98"/>
+                                          <p:spTgt spid="94"/>
                                         </p:tgtEl>
                                         <p:attrNameLst>
                                           <p:attrName>style.visibility</p:attrName>
@@ -8257,7 +8468,7 @@
                                           </p:stCondLst>
                                         </p:cTn>
                                         <p:tgtEl>
-                                          <p:spTgt spid="25"/>
+                                          <p:spTgt spid="26"/>
                                         </p:tgtEl>
                                         <p:attrNameLst>
                                           <p:attrName>style.visibility</p:attrName>
@@ -8284,6 +8495,249 @@
                                           </p:stCondLst>
                                         </p:cTn>
                                         <p:tgtEl>
+                                          <p:spTgt spid="49"/>
+                                        </p:tgtEl>
+                                        <p:attrNameLst>
+                                          <p:attrName>style.visibility</p:attrName>
+                                        </p:attrNameLst>
+                                      </p:cBhvr>
+                                      <p:to>
+                                        <p:strVal val="visible"/>
+                                      </p:to>
+                                    </p:set>
+                                  </p:childTnLst>
+                                </p:cTn>
+                              </p:par>
+                            </p:childTnLst>
+                          </p:cTn>
+                        </p:par>
+                      </p:childTnLst>
+                    </p:cTn>
+                  </p:par>
+                  <p:par>
+                    <p:cTn id="173" fill="hold">
+                      <p:stCondLst>
+                        <p:cond delay="indefinite"/>
+                      </p:stCondLst>
+                      <p:childTnLst>
+                        <p:par>
+                          <p:cTn id="174" fill="hold">
+                            <p:stCondLst>
+                              <p:cond delay="0"/>
+                            </p:stCondLst>
+                            <p:childTnLst>
+                              <p:par>
+                                <p:cTn id="175" presetID="1" presetClass="entr" presetSubtype="0" fill="hold" grpId="0" nodeType="clickEffect">
+                                  <p:stCondLst>
+                                    <p:cond delay="0"/>
+                                  </p:stCondLst>
+                                  <p:childTnLst>
+                                    <p:set>
+                                      <p:cBhvr>
+                                        <p:cTn id="176" dur="1" fill="hold">
+                                          <p:stCondLst>
+                                            <p:cond delay="0"/>
+                                          </p:stCondLst>
+                                        </p:cTn>
+                                        <p:tgtEl>
+                                          <p:spTgt spid="119"/>
+                                        </p:tgtEl>
+                                        <p:attrNameLst>
+                                          <p:attrName>style.visibility</p:attrName>
+                                        </p:attrNameLst>
+                                      </p:cBhvr>
+                                      <p:to>
+                                        <p:strVal val="visible"/>
+                                      </p:to>
+                                    </p:set>
+                                  </p:childTnLst>
+                                </p:cTn>
+                              </p:par>
+                              <p:par>
+                                <p:cTn id="177" presetID="1" presetClass="entr" presetSubtype="0" fill="hold" nodeType="withEffect">
+                                  <p:stCondLst>
+                                    <p:cond delay="0"/>
+                                  </p:stCondLst>
+                                  <p:childTnLst>
+                                    <p:set>
+                                      <p:cBhvr>
+                                        <p:cTn id="178" dur="1" fill="hold">
+                                          <p:stCondLst>
+                                            <p:cond delay="0"/>
+                                          </p:stCondLst>
+                                        </p:cTn>
+                                        <p:tgtEl>
+                                          <p:spTgt spid="112"/>
+                                        </p:tgtEl>
+                                        <p:attrNameLst>
+                                          <p:attrName>style.visibility</p:attrName>
+                                        </p:attrNameLst>
+                                      </p:cBhvr>
+                                      <p:to>
+                                        <p:strVal val="visible"/>
+                                      </p:to>
+                                    </p:set>
+                                  </p:childTnLst>
+                                </p:cTn>
+                              </p:par>
+                            </p:childTnLst>
+                          </p:cTn>
+                        </p:par>
+                      </p:childTnLst>
+                    </p:cTn>
+                  </p:par>
+                  <p:par>
+                    <p:cTn id="179" fill="hold">
+                      <p:stCondLst>
+                        <p:cond delay="indefinite"/>
+                      </p:stCondLst>
+                      <p:childTnLst>
+                        <p:par>
+                          <p:cTn id="180" fill="hold">
+                            <p:stCondLst>
+                              <p:cond delay="0"/>
+                            </p:stCondLst>
+                            <p:childTnLst>
+                              <p:par>
+                                <p:cTn id="181" presetID="1" presetClass="entr" presetSubtype="0" fill="hold" grpId="0" nodeType="clickEffect">
+                                  <p:stCondLst>
+                                    <p:cond delay="0"/>
+                                  </p:stCondLst>
+                                  <p:childTnLst>
+                                    <p:set>
+                                      <p:cBhvr>
+                                        <p:cTn id="182" dur="1" fill="hold">
+                                          <p:stCondLst>
+                                            <p:cond delay="0"/>
+                                          </p:stCondLst>
+                                        </p:cTn>
+                                        <p:tgtEl>
+                                          <p:spTgt spid="96"/>
+                                        </p:tgtEl>
+                                        <p:attrNameLst>
+                                          <p:attrName>style.visibility</p:attrName>
+                                        </p:attrNameLst>
+                                      </p:cBhvr>
+                                      <p:to>
+                                        <p:strVal val="visible"/>
+                                      </p:to>
+                                    </p:set>
+                                  </p:childTnLst>
+                                </p:cTn>
+                              </p:par>
+                              <p:par>
+                                <p:cTn id="183" presetID="1" presetClass="entr" presetSubtype="0" fill="hold" nodeType="withEffect">
+                                  <p:stCondLst>
+                                    <p:cond delay="0"/>
+                                  </p:stCondLst>
+                                  <p:childTnLst>
+                                    <p:set>
+                                      <p:cBhvr>
+                                        <p:cTn id="184" dur="1" fill="hold">
+                                          <p:stCondLst>
+                                            <p:cond delay="0"/>
+                                          </p:stCondLst>
+                                        </p:cTn>
+                                        <p:tgtEl>
+                                          <p:spTgt spid="97"/>
+                                        </p:tgtEl>
+                                        <p:attrNameLst>
+                                          <p:attrName>style.visibility</p:attrName>
+                                        </p:attrNameLst>
+                                      </p:cBhvr>
+                                      <p:to>
+                                        <p:strVal val="visible"/>
+                                      </p:to>
+                                    </p:set>
+                                  </p:childTnLst>
+                                </p:cTn>
+                              </p:par>
+                              <p:par>
+                                <p:cTn id="185" presetID="1" presetClass="entr" presetSubtype="0" fill="hold" nodeType="withEffect">
+                                  <p:stCondLst>
+                                    <p:cond delay="0"/>
+                                  </p:stCondLst>
+                                  <p:childTnLst>
+                                    <p:set>
+                                      <p:cBhvr>
+                                        <p:cTn id="186" dur="1" fill="hold">
+                                          <p:stCondLst>
+                                            <p:cond delay="0"/>
+                                          </p:stCondLst>
+                                        </p:cTn>
+                                        <p:tgtEl>
+                                          <p:spTgt spid="98"/>
+                                        </p:tgtEl>
+                                        <p:attrNameLst>
+                                          <p:attrName>style.visibility</p:attrName>
+                                        </p:attrNameLst>
+                                      </p:cBhvr>
+                                      <p:to>
+                                        <p:strVal val="visible"/>
+                                      </p:to>
+                                    </p:set>
+                                  </p:childTnLst>
+                                </p:cTn>
+                              </p:par>
+                            </p:childTnLst>
+                          </p:cTn>
+                        </p:par>
+                      </p:childTnLst>
+                    </p:cTn>
+                  </p:par>
+                  <p:par>
+                    <p:cTn id="187" fill="hold">
+                      <p:stCondLst>
+                        <p:cond delay="indefinite"/>
+                      </p:stCondLst>
+                      <p:childTnLst>
+                        <p:par>
+                          <p:cTn id="188" fill="hold">
+                            <p:stCondLst>
+                              <p:cond delay="0"/>
+                            </p:stCondLst>
+                            <p:childTnLst>
+                              <p:par>
+                                <p:cTn id="189" presetID="1" presetClass="entr" presetSubtype="0" fill="hold" grpId="0" nodeType="clickEffect">
+                                  <p:stCondLst>
+                                    <p:cond delay="0"/>
+                                  </p:stCondLst>
+                                  <p:childTnLst>
+                                    <p:set>
+                                      <p:cBhvr>
+                                        <p:cTn id="190" dur="1" fill="hold">
+                                          <p:stCondLst>
+                                            <p:cond delay="0"/>
+                                          </p:stCondLst>
+                                        </p:cTn>
+                                        <p:tgtEl>
+                                          <p:spTgt spid="25"/>
+                                        </p:tgtEl>
+                                        <p:attrNameLst>
+                                          <p:attrName>style.visibility</p:attrName>
+                                        </p:attrNameLst>
+                                      </p:cBhvr>
+                                      <p:to>
+                                        <p:strVal val="visible"/>
+                                      </p:to>
+                                    </p:set>
+                                  </p:childTnLst>
+                                </p:cTn>
+                              </p:par>
+                              <p:par>
+                                <p:cTn id="191" presetID="1" presetClass="entr" presetSubtype="0" fill="hold" nodeType="withEffect">
+                                  <p:stCondLst>
+                                    <p:cond delay="0"/>
+                                  </p:stCondLst>
+                                  <p:childTnLst>
+                                    <p:set>
+                                      <p:cBhvr>
+                                        <p:cTn id="192" dur="1" fill="hold">
+                                          <p:stCondLst>
+                                            <p:cond delay="0"/>
+                                          </p:stCondLst>
+                                        </p:cTn>
+                                        <p:tgtEl>
                                           <p:spTgt spid="106"/>
                                         </p:tgtEl>
                                         <p:attrNameLst>
@@ -8298,14 +8752,14 @@
                                 </p:cTn>
                               </p:par>
                               <p:par>
-                                <p:cTn id="173" presetID="1" presetClass="entr" presetSubtype="0" fill="hold" grpId="0" nodeType="withEffect">
+                                <p:cTn id="193" presetID="1" presetClass="entr" presetSubtype="0" fill="hold" grpId="0" nodeType="withEffect">
                                   <p:stCondLst>
                                     <p:cond delay="0"/>
                                   </p:stCondLst>
                                   <p:childTnLst>
                                     <p:set>
                                       <p:cBhvr>
-                                        <p:cTn id="174" dur="1" fill="hold">
+                                        <p:cTn id="194" dur="1" fill="hold">
                                           <p:stCondLst>
                                             <p:cond delay="0"/>
                                           </p:stCondLst>
@@ -8325,14 +8779,14 @@
                                 </p:cTn>
                               </p:par>
                               <p:par>
-                                <p:cTn id="175" presetID="1" presetClass="entr" presetSubtype="0" fill="hold" nodeType="withEffect">
+                                <p:cTn id="195" presetID="1" presetClass="entr" presetSubtype="0" fill="hold" nodeType="withEffect">
                                   <p:stCondLst>
                                     <p:cond delay="0"/>
                                   </p:stCondLst>
                                   <p:childTnLst>
                                     <p:set>
                                       <p:cBhvr>
-                                        <p:cTn id="176" dur="1" fill="hold">
+                                        <p:cTn id="196" dur="1" fill="hold">
                                           <p:stCondLst>
                                             <p:cond delay="0"/>
                                           </p:stCondLst>
@@ -8358,26 +8812,26 @@
                     </p:cTn>
                   </p:par>
                   <p:par>
-                    <p:cTn id="177" fill="hold">
+                    <p:cTn id="197" fill="hold">
                       <p:stCondLst>
                         <p:cond delay="indefinite"/>
                       </p:stCondLst>
                       <p:childTnLst>
                         <p:par>
-                          <p:cTn id="178" fill="hold">
+                          <p:cTn id="198" fill="hold">
                             <p:stCondLst>
                               <p:cond delay="0"/>
                             </p:stCondLst>
                             <p:childTnLst>
                               <p:par>
-                                <p:cTn id="179" presetID="1" presetClass="entr" presetSubtype="0" fill="hold" nodeType="clickEffect">
+                                <p:cTn id="199" presetID="1" presetClass="entr" presetSubtype="0" fill="hold" nodeType="clickEffect">
                                   <p:stCondLst>
                                     <p:cond delay="0"/>
                                   </p:stCondLst>
                                   <p:childTnLst>
                                     <p:set>
                                       <p:cBhvr>
-                                        <p:cTn id="180" dur="1" fill="hold">
+                                        <p:cTn id="200" dur="1" fill="hold">
                                           <p:stCondLst>
                                             <p:cond delay="0"/>
                                           </p:stCondLst>
@@ -8403,26 +8857,26 @@
                     </p:cTn>
                   </p:par>
                   <p:par>
-                    <p:cTn id="181" fill="hold">
+                    <p:cTn id="201" fill="hold">
                       <p:stCondLst>
                         <p:cond delay="indefinite"/>
                       </p:stCondLst>
                       <p:childTnLst>
                         <p:par>
-                          <p:cTn id="182" fill="hold">
+                          <p:cTn id="202" fill="hold">
                             <p:stCondLst>
                               <p:cond delay="0"/>
                             </p:stCondLst>
                             <p:childTnLst>
                               <p:par>
-                                <p:cTn id="183" presetID="1" presetClass="entr" presetSubtype="0" fill="hold" grpId="0" nodeType="clickEffect">
+                                <p:cTn id="203" presetID="1" presetClass="entr" presetSubtype="0" fill="hold" grpId="0" nodeType="clickEffect">
                                   <p:stCondLst>
                                     <p:cond delay="0"/>
                                   </p:stCondLst>
                                   <p:childTnLst>
                                     <p:set>
                                       <p:cBhvr>
-                                        <p:cTn id="184" dur="1" fill="hold">
+                                        <p:cTn id="204" dur="1" fill="hold">
                                           <p:stCondLst>
                                             <p:cond delay="0"/>
                                           </p:stCondLst>
@@ -8448,26 +8902,26 @@
                     </p:cTn>
                   </p:par>
                   <p:par>
-                    <p:cTn id="185" fill="hold">
+                    <p:cTn id="205" fill="hold">
                       <p:stCondLst>
                         <p:cond delay="indefinite"/>
                       </p:stCondLst>
                       <p:childTnLst>
                         <p:par>
-                          <p:cTn id="186" fill="hold">
+                          <p:cTn id="206" fill="hold">
                             <p:stCondLst>
                               <p:cond delay="0"/>
                             </p:stCondLst>
                             <p:childTnLst>
                               <p:par>
-                                <p:cTn id="187" presetID="1" presetClass="entr" presetSubtype="0" fill="hold" grpId="0" nodeType="clickEffect">
+                                <p:cTn id="207" presetID="1" presetClass="entr" presetSubtype="0" fill="hold" grpId="0" nodeType="clickEffect">
                                   <p:stCondLst>
                                     <p:cond delay="0"/>
                                   </p:stCondLst>
                                   <p:childTnLst>
                                     <p:set>
                                       <p:cBhvr>
-                                        <p:cTn id="188" dur="1" fill="hold">
+                                        <p:cTn id="208" dur="1" fill="hold">
                                           <p:stCondLst>
                                             <p:cond delay="0"/>
                                           </p:stCondLst>
@@ -8487,14 +8941,14 @@
                                 </p:cTn>
                               </p:par>
                               <p:par>
-                                <p:cTn id="189" presetID="1" presetClass="entr" presetSubtype="0" fill="hold" nodeType="withEffect">
+                                <p:cTn id="209" presetID="1" presetClass="entr" presetSubtype="0" fill="hold" nodeType="withEffect">
                                   <p:stCondLst>
                                     <p:cond delay="0"/>
                                   </p:stCondLst>
                                   <p:childTnLst>
                                     <p:set>
                                       <p:cBhvr>
-                                        <p:cTn id="190" dur="1" fill="hold">
+                                        <p:cTn id="210" dur="1" fill="hold">
                                           <p:stCondLst>
                                             <p:cond delay="0"/>
                                           </p:stCondLst>
@@ -8569,7 +9023,12 @@
       <p:bldP spid="96" grpId="0" animBg="1"/>
       <p:bldP spid="119" grpId="0"/>
       <p:bldP spid="43" grpId="0" animBg="1"/>
+      <p:bldP spid="43" grpId="1" animBg="1"/>
       <p:bldP spid="66" grpId="0" animBg="1"/>
+      <p:bldP spid="66" grpId="1" animBg="1"/>
+      <p:bldP spid="77" grpId="0" animBg="1"/>
+      <p:bldP spid="79" grpId="0" animBg="1"/>
+      <p:bldP spid="79" grpId="1" animBg="1"/>
     </p:bldLst>
   </p:timing>
 </p:sld>
@@ -8899,7 +9358,7 @@
   <a:extraClrSchemeLst/>
   <a:extLst>
     <a:ext uri="{05A4C25C-085E-4340-85A3-A5531E510DB2}">
-      <thm15:themeFamily xmlns="" xmlns:thm15="http://schemas.microsoft.com/office/thememl/2012/main" name="ConcurCorporateTemplate2013_Helvetica_16x9" id="{A09BE1D0-94B0-44B7-9420-2ECF7BB955CC}" vid="{59E5CBDF-7240-4762-BDFB-AAFD424E1AE9}"/>
+      <thm15:themeFamily xmlns:thm15="http://schemas.microsoft.com/office/thememl/2012/main" xmlns="" name="ConcurCorporateTemplate2013_Helvetica_16x9" id="{A09BE1D0-94B0-44B7-9420-2ECF7BB955CC}" vid="{59E5CBDF-7240-4762-BDFB-AAFD424E1AE9}"/>
     </a:ext>
   </a:extLst>
 </a:theme>

--- a/fig/api-ecosystem-v05.pptx
+++ b/fig/api-ecosystem-v05.pptx
@@ -252,7 +252,7 @@
               <a:pPr>
                 <a:defRPr/>
               </a:pPr>
-              <a:t>6/29/16</a:t>
+              <a:t>6/30/16</a:t>
             </a:fld>
             <a:endParaRPr lang="en-US"/>
           </a:p>
@@ -466,7 +466,7 @@
               <a:pPr>
                 <a:defRPr/>
               </a:pPr>
-              <a:t>6/29/16</a:t>
+              <a:t>6/30/16</a:t>
             </a:fld>
             <a:endParaRPr lang="en-US"/>
           </a:p>
@@ -1927,7 +1927,7 @@
               <a:pPr>
                 <a:defRPr/>
               </a:pPr>
-              <a:t>6/29/16</a:t>
+              <a:t>6/30/16</a:t>
             </a:fld>
             <a:endParaRPr lang="en-US"/>
           </a:p>
@@ -2647,6 +2647,72 @@
           <a:chExt cx="0" cy="0"/>
         </a:xfrm>
       </p:grpSpPr>
+      <p:sp>
+        <p:nvSpPr>
+          <p:cNvPr id="79" name="Rectangle 78"/>
+          <p:cNvSpPr/>
+          <p:nvPr/>
+        </p:nvSpPr>
+        <p:spPr>
+          <a:xfrm>
+            <a:off x="1336012" y="1121557"/>
+            <a:ext cx="1660069" cy="366587"/>
+          </a:xfrm>
+          <a:prstGeom prst="rect">
+            <a:avLst/>
+          </a:prstGeom>
+          <a:solidFill>
+            <a:schemeClr val="accent2"/>
+          </a:solidFill>
+          <a:ln>
+            <a:noFill/>
+          </a:ln>
+        </p:spPr>
+        <p:style>
+          <a:lnRef idx="2">
+            <a:schemeClr val="accent1">
+              <a:shade val="50000"/>
+            </a:schemeClr>
+          </a:lnRef>
+          <a:fillRef idx="1">
+            <a:schemeClr val="accent1"/>
+          </a:fillRef>
+          <a:effectRef idx="0">
+            <a:schemeClr val="accent1"/>
+          </a:effectRef>
+          <a:fontRef idx="minor">
+            <a:schemeClr val="lt1"/>
+          </a:fontRef>
+        </p:style>
+        <p:txBody>
+          <a:bodyPr lIns="68681" tIns="34340" rIns="68681" bIns="34340" anchor="ctr"/>
+          <a:lstStyle/>
+          <a:p>
+            <a:pPr algn="r" defTabSz="343403" eaLnBrk="1" fontAlgn="auto" hangingPunct="1">
+              <a:spcBef>
+                <a:spcPts val="0"/>
+              </a:spcBef>
+              <a:spcAft>
+                <a:spcPts val="0"/>
+              </a:spcAft>
+              <a:defRPr/>
+            </a:pPr>
+            <a:r>
+              <a:rPr lang="en-US" sz="1800" b="1" dirty="0" smtClean="0">
+                <a:latin typeface="Open Sans Light" charset="0"/>
+                <a:ea typeface="Open Sans Light" charset="0"/>
+                <a:cs typeface="Open Sans Light" charset="0"/>
+              </a:rPr>
+              <a:t>RAML spec.</a:t>
+            </a:r>
+            <a:endParaRPr lang="en-US" sz="1800" b="1" dirty="0">
+              <a:latin typeface="Open Sans Light" charset="0"/>
+              <a:ea typeface="Open Sans Light" charset="0"/>
+              <a:cs typeface="Open Sans Light" charset="0"/>
+            </a:endParaRPr>
+          </a:p>
+        </p:txBody>
+      </p:sp>
       <p:cxnSp>
         <p:nvCxnSpPr>
           <p:cNvPr id="63" name="Straight Connector 62"/>
@@ -3050,14 +3116,14 @@
         <p:nvCxnSpPr>
           <p:cNvPr id="39" name="Straight Connector 38"/>
           <p:cNvCxnSpPr>
-            <a:stCxn id="86" idx="2"/>
+            <a:stCxn id="86" idx="0"/>
           </p:cNvCxnSpPr>
           <p:nvPr/>
         </p:nvCxnSpPr>
         <p:spPr>
           <a:xfrm flipV="1">
             <a:off x="1525501" y="2058474"/>
-            <a:ext cx="0" cy="811682"/>
+            <a:ext cx="0" cy="484276"/>
           </a:xfrm>
           <a:prstGeom prst="line">
             <a:avLst/>
@@ -3918,7 +3984,7 @@
           <a:prstGeom prst="line">
             <a:avLst/>
           </a:prstGeom>
-          <a:ln w="25400">
+          <a:ln w="12700">
             <a:solidFill>
               <a:srgbClr val="548D3D"/>
             </a:solidFill>
@@ -4359,7 +4425,7 @@
           <a:prstGeom prst="line">
             <a:avLst/>
           </a:prstGeom>
-          <a:ln w="25400">
+          <a:ln w="12700">
             <a:solidFill>
               <a:srgbClr val="548D3D"/>
             </a:solidFill>
@@ -4467,7 +4533,7 @@
           <a:prstGeom prst="line">
             <a:avLst/>
           </a:prstGeom>
-          <a:ln w="25400">
+          <a:ln w="12700">
             <a:solidFill>
               <a:srgbClr val="548D3D"/>
             </a:solidFill>
@@ -5306,7 +5372,7 @@
           <a:prstGeom prst="line">
             <a:avLst/>
           </a:prstGeom>
-          <a:ln w="25400">
+          <a:ln w="12700">
             <a:solidFill>
               <a:srgbClr val="548D3D"/>
             </a:solidFill>
@@ -5971,6 +6037,7 @@
             <a:solidFill>
               <a:schemeClr val="accent3"/>
             </a:solidFill>
+            <a:prstDash val="sysDash"/>
             <a:headEnd type="none" w="lg" len="lg"/>
             <a:tailEnd type="triangle" w="lg" len="lg"/>
           </a:ln>
@@ -6127,15 +6194,7 @@
                 <a:ea typeface="Open Sans Light" charset="0"/>
                 <a:cs typeface="Open Sans Light" charset="0"/>
               </a:rPr>
-              <a:t>interface spec</a:t>
-            </a:r>
-            <a:r>
-              <a:rPr lang="en-US" sz="1800" b="1" dirty="0" smtClean="0">
-                <a:latin typeface="Open Sans Light" charset="0"/>
-                <a:ea typeface="Open Sans Light" charset="0"/>
-                <a:cs typeface="Open Sans Light" charset="0"/>
-              </a:rPr>
-              <a:t>.</a:t>
+              <a:t>interface spec.</a:t>
             </a:r>
             <a:endParaRPr lang="en-US" sz="1800" b="1" dirty="0">
               <a:latin typeface="Open Sans Light" charset="0"/>
@@ -6343,7 +6402,7 @@
           <a:prstGeom prst="line">
             <a:avLst/>
           </a:prstGeom>
-          <a:ln w="25400">
+          <a:ln w="12700">
             <a:solidFill>
               <a:srgbClr val="548D3D"/>
             </a:solidFill>
@@ -6366,72 +6425,6 @@
           </a:fontRef>
         </p:style>
       </p:cxnSp>
-      <p:sp>
-        <p:nvSpPr>
-          <p:cNvPr id="79" name="Rectangle 78"/>
-          <p:cNvSpPr/>
-          <p:nvPr/>
-        </p:nvSpPr>
-        <p:spPr>
-          <a:xfrm>
-            <a:off x="1478252" y="1273957"/>
-            <a:ext cx="1660069" cy="366587"/>
-          </a:xfrm>
-          <a:prstGeom prst="rect">
-            <a:avLst/>
-          </a:prstGeom>
-          <a:solidFill>
-            <a:schemeClr val="accent2"/>
-          </a:solidFill>
-          <a:ln>
-            <a:noFill/>
-          </a:ln>
-        </p:spPr>
-        <p:style>
-          <a:lnRef idx="2">
-            <a:schemeClr val="accent1">
-              <a:shade val="50000"/>
-            </a:schemeClr>
-          </a:lnRef>
-          <a:fillRef idx="1">
-            <a:schemeClr val="accent1"/>
-          </a:fillRef>
-          <a:effectRef idx="0">
-            <a:schemeClr val="accent1"/>
-          </a:effectRef>
-          <a:fontRef idx="minor">
-            <a:schemeClr val="lt1"/>
-          </a:fontRef>
-        </p:style>
-        <p:txBody>
-          <a:bodyPr lIns="68681" tIns="34340" rIns="68681" bIns="34340" anchor="ctr"/>
-          <a:lstStyle/>
-          <a:p>
-            <a:pPr algn="r" defTabSz="343403" eaLnBrk="1" fontAlgn="auto" hangingPunct="1">
-              <a:spcBef>
-                <a:spcPts val="0"/>
-              </a:spcBef>
-              <a:spcAft>
-                <a:spcPts val="0"/>
-              </a:spcAft>
-              <a:defRPr/>
-            </a:pPr>
-            <a:r>
-              <a:rPr lang="en-US" sz="1800" b="1" dirty="0" smtClean="0">
-                <a:latin typeface="Open Sans Light" charset="0"/>
-                <a:ea typeface="Open Sans Light" charset="0"/>
-                <a:cs typeface="Open Sans Light" charset="0"/>
-              </a:rPr>
-              <a:t>RAML spec.</a:t>
-            </a:r>
-            <a:endParaRPr lang="en-US" sz="1800" b="1" dirty="0">
-              <a:latin typeface="Open Sans Light" charset="0"/>
-              <a:ea typeface="Open Sans Light" charset="0"/>
-              <a:cs typeface="Open Sans Light" charset="0"/>
-            </a:endParaRPr>
-          </a:p>
-        </p:txBody>
-      </p:sp>
     </p:spTree>
     <p:extLst>
       <p:ext uri="{BB962C8B-B14F-4D97-AF65-F5344CB8AC3E}">
@@ -6466,7 +6459,7 @@
                             </p:stCondLst>
                             <p:childTnLst>
                               <p:par>
-                                <p:cTn id="5" presetID="1" presetClass="entr" presetSubtype="0" fill="hold" grpId="0" nodeType="clickEffect">
+                                <p:cTn id="5" presetID="1" presetClass="entr" presetSubtype="0" fill="hold" nodeType="clickEffect">
                                   <p:stCondLst>
                                     <p:cond delay="0"/>
                                   </p:stCondLst>
@@ -6474,33 +6467,6 @@
                                     <p:set>
                                       <p:cBhvr>
                                         <p:cTn id="6" dur="1" fill="hold">
-                                          <p:stCondLst>
-                                            <p:cond delay="0"/>
-                                          </p:stCondLst>
-                                        </p:cTn>
-                                        <p:tgtEl>
-                                          <p:spTgt spid="14"/>
-                                        </p:tgtEl>
-                                        <p:attrNameLst>
-                                          <p:attrName>style.visibility</p:attrName>
-                                        </p:attrNameLst>
-                                      </p:cBhvr>
-                                      <p:to>
-                                        <p:strVal val="visible"/>
-                                      </p:to>
-                                    </p:set>
-                                  </p:childTnLst>
-                                </p:cTn>
-                              </p:par>
-                              <p:par>
-                                <p:cTn id="7" presetID="1" presetClass="entr" presetSubtype="0" fill="hold" nodeType="withEffect">
-                                  <p:stCondLst>
-                                    <p:cond delay="0"/>
-                                  </p:stCondLst>
-                                  <p:childTnLst>
-                                    <p:set>
-                                      <p:cBhvr>
-                                        <p:cTn id="8" dur="1" fill="hold">
                                           <p:stCondLst>
                                             <p:cond delay="0"/>
                                           </p:stCondLst>
@@ -6526,26 +6492,71 @@
                     </p:cTn>
                   </p:par>
                   <p:par>
-                    <p:cTn id="9" fill="hold">
+                    <p:cTn id="7" fill="hold">
                       <p:stCondLst>
                         <p:cond delay="indefinite"/>
                       </p:stCondLst>
                       <p:childTnLst>
                         <p:par>
-                          <p:cTn id="10" fill="hold">
+                          <p:cTn id="8" fill="hold">
                             <p:stCondLst>
                               <p:cond delay="0"/>
                             </p:stCondLst>
                             <p:childTnLst>
                               <p:par>
-                                <p:cTn id="11" presetID="1" presetClass="entr" presetSubtype="0" fill="hold" grpId="0" nodeType="clickEffect">
+                                <p:cTn id="9" presetID="1" presetClass="entr" presetSubtype="0" fill="hold" grpId="0" nodeType="clickEffect">
                                   <p:stCondLst>
                                     <p:cond delay="0"/>
                                   </p:stCondLst>
                                   <p:childTnLst>
                                     <p:set>
                                       <p:cBhvr>
-                                        <p:cTn id="12" dur="1" fill="hold">
+                                        <p:cTn id="10" dur="1" fill="hold">
+                                          <p:stCondLst>
+                                            <p:cond delay="0"/>
+                                          </p:stCondLst>
+                                        </p:cTn>
+                                        <p:tgtEl>
+                                          <p:spTgt spid="14"/>
+                                        </p:tgtEl>
+                                        <p:attrNameLst>
+                                          <p:attrName>style.visibility</p:attrName>
+                                        </p:attrNameLst>
+                                      </p:cBhvr>
+                                      <p:to>
+                                        <p:strVal val="visible"/>
+                                      </p:to>
+                                    </p:set>
+                                  </p:childTnLst>
+                                </p:cTn>
+                              </p:par>
+                            </p:childTnLst>
+                          </p:cTn>
+                        </p:par>
+                      </p:childTnLst>
+                    </p:cTn>
+                  </p:par>
+                  <p:par>
+                    <p:cTn id="11" fill="hold">
+                      <p:stCondLst>
+                        <p:cond delay="indefinite"/>
+                      </p:stCondLst>
+                      <p:childTnLst>
+                        <p:par>
+                          <p:cTn id="12" fill="hold">
+                            <p:stCondLst>
+                              <p:cond delay="0"/>
+                            </p:stCondLst>
+                            <p:childTnLst>
+                              <p:par>
+                                <p:cTn id="13" presetID="1" presetClass="entr" presetSubtype="0" fill="hold" grpId="0" nodeType="clickEffect">
+                                  <p:stCondLst>
+                                    <p:cond delay="0"/>
+                                  </p:stCondLst>
+                                  <p:childTnLst>
+                                    <p:set>
+                                      <p:cBhvr>
+                                        <p:cTn id="14" dur="1" fill="hold">
                                           <p:stCondLst>
                                             <p:cond delay="0"/>
                                           </p:stCondLst>
@@ -6565,14 +6576,14 @@
                                 </p:cTn>
                               </p:par>
                               <p:par>
-                                <p:cTn id="13" presetID="1" presetClass="entr" presetSubtype="0" fill="hold" grpId="0" nodeType="withEffect">
+                                <p:cTn id="15" presetID="1" presetClass="entr" presetSubtype="0" fill="hold" grpId="0" nodeType="withEffect">
                                   <p:stCondLst>
                                     <p:cond delay="0"/>
                                   </p:stCondLst>
                                   <p:childTnLst>
                                     <p:set>
                                       <p:cBhvr>
-                                        <p:cTn id="14" dur="1" fill="hold">
+                                        <p:cTn id="16" dur="1" fill="hold">
                                           <p:stCondLst>
                                             <p:cond delay="0"/>
                                           </p:stCondLst>
@@ -6592,14 +6603,14 @@
                                 </p:cTn>
                               </p:par>
                               <p:par>
-                                <p:cTn id="15" presetID="1" presetClass="entr" presetSubtype="0" fill="hold" nodeType="withEffect">
+                                <p:cTn id="17" presetID="1" presetClass="entr" presetSubtype="0" fill="hold" nodeType="withEffect">
                                   <p:stCondLst>
                                     <p:cond delay="0"/>
                                   </p:stCondLst>
                                   <p:childTnLst>
                                     <p:set>
                                       <p:cBhvr>
-                                        <p:cTn id="16" dur="1" fill="hold">
+                                        <p:cTn id="18" dur="1" fill="hold">
                                           <p:stCondLst>
                                             <p:cond delay="0"/>
                                           </p:stCondLst>
@@ -6625,26 +6636,26 @@
                     </p:cTn>
                   </p:par>
                   <p:par>
-                    <p:cTn id="17" fill="hold">
+                    <p:cTn id="19" fill="hold">
                       <p:stCondLst>
                         <p:cond delay="indefinite"/>
                       </p:stCondLst>
                       <p:childTnLst>
                         <p:par>
-                          <p:cTn id="18" fill="hold">
+                          <p:cTn id="20" fill="hold">
                             <p:stCondLst>
                               <p:cond delay="0"/>
                             </p:stCondLst>
                             <p:childTnLst>
                               <p:par>
-                                <p:cTn id="19" presetID="1" presetClass="entr" presetSubtype="0" fill="hold" grpId="0" nodeType="clickEffect">
+                                <p:cTn id="21" presetID="1" presetClass="entr" presetSubtype="0" fill="hold" grpId="0" nodeType="clickEffect">
                                   <p:stCondLst>
                                     <p:cond delay="0"/>
                                   </p:stCondLst>
                                   <p:childTnLst>
                                     <p:set>
                                       <p:cBhvr>
-                                        <p:cTn id="20" dur="1" fill="hold">
+                                        <p:cTn id="22" dur="1" fill="hold">
                                           <p:stCondLst>
                                             <p:cond delay="0"/>
                                           </p:stCondLst>
@@ -6664,14 +6675,14 @@
                                 </p:cTn>
                               </p:par>
                               <p:par>
-                                <p:cTn id="21" presetID="1" presetClass="entr" presetSubtype="0" fill="hold" nodeType="withEffect">
+                                <p:cTn id="23" presetID="1" presetClass="entr" presetSubtype="0" fill="hold" nodeType="withEffect">
                                   <p:stCondLst>
                                     <p:cond delay="0"/>
                                   </p:stCondLst>
                                   <p:childTnLst>
                                     <p:set>
                                       <p:cBhvr>
-                                        <p:cTn id="22" dur="1" fill="hold">
+                                        <p:cTn id="24" dur="1" fill="hold">
                                           <p:stCondLst>
                                             <p:cond delay="0"/>
                                           </p:stCondLst>
@@ -6697,26 +6708,26 @@
                     </p:cTn>
                   </p:par>
                   <p:par>
-                    <p:cTn id="23" fill="hold">
+                    <p:cTn id="25" fill="hold">
                       <p:stCondLst>
                         <p:cond delay="indefinite"/>
                       </p:stCondLst>
                       <p:childTnLst>
                         <p:par>
-                          <p:cTn id="24" fill="hold">
+                          <p:cTn id="26" fill="hold">
                             <p:stCondLst>
                               <p:cond delay="0"/>
                             </p:stCondLst>
                             <p:childTnLst>
                               <p:par>
-                                <p:cTn id="25" presetID="1" presetClass="entr" presetSubtype="0" fill="hold" grpId="0" nodeType="clickEffect">
+                                <p:cTn id="27" presetID="1" presetClass="entr" presetSubtype="0" fill="hold" grpId="0" nodeType="clickEffect">
                                   <p:stCondLst>
                                     <p:cond delay="0"/>
                                   </p:stCondLst>
                                   <p:childTnLst>
                                     <p:set>
                                       <p:cBhvr>
-                                        <p:cTn id="26" dur="1" fill="hold">
+                                        <p:cTn id="28" dur="1" fill="hold">
                                           <p:stCondLst>
                                             <p:cond delay="0"/>
                                           </p:stCondLst>
@@ -6736,14 +6747,14 @@
                                 </p:cTn>
                               </p:par>
                               <p:par>
-                                <p:cTn id="27" presetID="1" presetClass="entr" presetSubtype="0" fill="hold" nodeType="withEffect">
+                                <p:cTn id="29" presetID="1" presetClass="entr" presetSubtype="0" fill="hold" nodeType="withEffect">
                                   <p:stCondLst>
                                     <p:cond delay="0"/>
                                   </p:stCondLst>
                                   <p:childTnLst>
                                     <p:set>
                                       <p:cBhvr>
-                                        <p:cTn id="28" dur="1" fill="hold">
+                                        <p:cTn id="30" dur="1" fill="hold">
                                           <p:stCondLst>
                                             <p:cond delay="0"/>
                                           </p:stCondLst>
@@ -6769,26 +6780,26 @@
                     </p:cTn>
                   </p:par>
                   <p:par>
-                    <p:cTn id="29" fill="hold">
+                    <p:cTn id="31" fill="hold">
                       <p:stCondLst>
                         <p:cond delay="indefinite"/>
                       </p:stCondLst>
                       <p:childTnLst>
                         <p:par>
-                          <p:cTn id="30" fill="hold">
+                          <p:cTn id="32" fill="hold">
                             <p:stCondLst>
                               <p:cond delay="0"/>
                             </p:stCondLst>
                             <p:childTnLst>
                               <p:par>
-                                <p:cTn id="31" presetID="1" presetClass="entr" presetSubtype="0" fill="hold" grpId="0" nodeType="clickEffect">
+                                <p:cTn id="33" presetID="1" presetClass="entr" presetSubtype="0" fill="hold" grpId="0" nodeType="clickEffect">
                                   <p:stCondLst>
                                     <p:cond delay="0"/>
                                   </p:stCondLst>
                                   <p:childTnLst>
                                     <p:set>
                                       <p:cBhvr>
-                                        <p:cTn id="32" dur="1" fill="hold">
+                                        <p:cTn id="34" dur="1" fill="hold">
                                           <p:stCondLst>
                                             <p:cond delay="0"/>
                                           </p:stCondLst>
@@ -6808,14 +6819,14 @@
                                 </p:cTn>
                               </p:par>
                               <p:par>
-                                <p:cTn id="33" presetID="1" presetClass="exit" presetSubtype="0" fill="hold" grpId="1" nodeType="withEffect">
+                                <p:cTn id="35" presetID="1" presetClass="exit" presetSubtype="0" fill="hold" grpId="1" nodeType="withEffect">
                                   <p:stCondLst>
                                     <p:cond delay="0"/>
                                   </p:stCondLst>
                                   <p:childTnLst>
                                     <p:set>
                                       <p:cBhvr>
-                                        <p:cTn id="34" dur="1" fill="hold">
+                                        <p:cTn id="36" dur="1" fill="hold">
                                           <p:stCondLst>
                                             <p:cond delay="0"/>
                                           </p:stCondLst>
@@ -6841,26 +6852,26 @@
                     </p:cTn>
                   </p:par>
                   <p:par>
-                    <p:cTn id="35" fill="hold">
+                    <p:cTn id="37" fill="hold">
                       <p:stCondLst>
                         <p:cond delay="indefinite"/>
                       </p:stCondLst>
                       <p:childTnLst>
                         <p:par>
-                          <p:cTn id="36" fill="hold">
+                          <p:cTn id="38" fill="hold">
                             <p:stCondLst>
                               <p:cond delay="0"/>
                             </p:stCondLst>
                             <p:childTnLst>
                               <p:par>
-                                <p:cTn id="37" presetID="1" presetClass="entr" presetSubtype="0" fill="hold" grpId="0" nodeType="clickEffect">
+                                <p:cTn id="39" presetID="1" presetClass="entr" presetSubtype="0" fill="hold" grpId="0" nodeType="clickEffect">
                                   <p:stCondLst>
                                     <p:cond delay="0"/>
                                   </p:stCondLst>
                                   <p:childTnLst>
                                     <p:set>
                                       <p:cBhvr>
-                                        <p:cTn id="38" dur="1" fill="hold">
+                                        <p:cTn id="40" dur="1" fill="hold">
                                           <p:stCondLst>
                                             <p:cond delay="0"/>
                                           </p:stCondLst>
@@ -6880,14 +6891,14 @@
                                 </p:cTn>
                               </p:par>
                               <p:par>
-                                <p:cTn id="39" presetID="1" presetClass="entr" presetSubtype="0" fill="hold" nodeType="withEffect">
+                                <p:cTn id="41" presetID="1" presetClass="entr" presetSubtype="0" fill="hold" nodeType="withEffect">
                                   <p:stCondLst>
                                     <p:cond delay="0"/>
                                   </p:stCondLst>
                                   <p:childTnLst>
                                     <p:set>
                                       <p:cBhvr>
-                                        <p:cTn id="40" dur="1" fill="hold">
+                                        <p:cTn id="42" dur="1" fill="hold">
                                           <p:stCondLst>
                                             <p:cond delay="0"/>
                                           </p:stCondLst>
@@ -6907,34 +6918,7 @@
                                 </p:cTn>
                               </p:par>
                               <p:par>
-                                <p:cTn id="41" presetID="1" presetClass="entr" presetSubtype="0" fill="hold" grpId="0" nodeType="withEffect">
-                                  <p:stCondLst>
-                                    <p:cond delay="0"/>
-                                  </p:stCondLst>
-                                  <p:childTnLst>
-                                    <p:set>
-                                      <p:cBhvr>
-                                        <p:cTn id="42" dur="1" fill="hold">
-                                          <p:stCondLst>
-                                            <p:cond delay="0"/>
-                                          </p:stCondLst>
-                                        </p:cTn>
-                                        <p:tgtEl>
-                                          <p:spTgt spid="43"/>
-                                        </p:tgtEl>
-                                        <p:attrNameLst>
-                                          <p:attrName>style.visibility</p:attrName>
-                                        </p:attrNameLst>
-                                      </p:cBhvr>
-                                      <p:to>
-                                        <p:strVal val="visible"/>
-                                      </p:to>
-                                    </p:set>
-                                  </p:childTnLst>
-                                </p:cTn>
-                              </p:par>
-                              <p:par>
-                                <p:cTn id="43" presetID="1" presetClass="entr" presetSubtype="0" fill="hold" nodeType="withEffect">
+                                <p:cTn id="43" presetID="1" presetClass="entr" presetSubtype="0" fill="hold" grpId="0" nodeType="withEffect">
                                   <p:stCondLst>
                                     <p:cond delay="0"/>
                                   </p:stCondLst>
@@ -6947,7 +6931,7 @@
                                           </p:stCondLst>
                                         </p:cTn>
                                         <p:tgtEl>
-                                          <p:spTgt spid="102"/>
+                                          <p:spTgt spid="43"/>
                                         </p:tgtEl>
                                         <p:attrNameLst>
                                           <p:attrName>style.visibility</p:attrName>
@@ -6974,6 +6958,33 @@
                                           </p:stCondLst>
                                         </p:cTn>
                                         <p:tgtEl>
+                                          <p:spTgt spid="102"/>
+                                        </p:tgtEl>
+                                        <p:attrNameLst>
+                                          <p:attrName>style.visibility</p:attrName>
+                                        </p:attrNameLst>
+                                      </p:cBhvr>
+                                      <p:to>
+                                        <p:strVal val="visible"/>
+                                      </p:to>
+                                    </p:set>
+                                  </p:childTnLst>
+                                </p:cTn>
+                              </p:par>
+                              <p:par>
+                                <p:cTn id="47" presetID="1" presetClass="entr" presetSubtype="0" fill="hold" nodeType="withEffect">
+                                  <p:stCondLst>
+                                    <p:cond delay="0"/>
+                                  </p:stCondLst>
+                                  <p:childTnLst>
+                                    <p:set>
+                                      <p:cBhvr>
+                                        <p:cTn id="48" dur="1" fill="hold">
+                                          <p:stCondLst>
+                                            <p:cond delay="0"/>
+                                          </p:stCondLst>
+                                        </p:cTn>
+                                        <p:tgtEl>
                                           <p:spTgt spid="63"/>
                                         </p:tgtEl>
                                         <p:attrNameLst>
@@ -6994,26 +7005,26 @@
                     </p:cTn>
                   </p:par>
                   <p:par>
-                    <p:cTn id="47" fill="hold">
+                    <p:cTn id="49" fill="hold">
                       <p:stCondLst>
                         <p:cond delay="indefinite"/>
                       </p:stCondLst>
                       <p:childTnLst>
                         <p:par>
-                          <p:cTn id="48" fill="hold">
+                          <p:cTn id="50" fill="hold">
                             <p:stCondLst>
                               <p:cond delay="0"/>
                             </p:stCondLst>
                             <p:childTnLst>
                               <p:par>
-                                <p:cTn id="49" presetID="1" presetClass="entr" presetSubtype="0" fill="hold" grpId="0" nodeType="clickEffect">
+                                <p:cTn id="51" presetID="1" presetClass="entr" presetSubtype="0" fill="hold" grpId="0" nodeType="clickEffect">
                                   <p:stCondLst>
                                     <p:cond delay="0"/>
                                   </p:stCondLst>
                                   <p:childTnLst>
                                     <p:set>
                                       <p:cBhvr>
-                                        <p:cTn id="50" dur="1" fill="hold">
+                                        <p:cTn id="52" dur="1" fill="hold">
                                           <p:stCondLst>
                                             <p:cond delay="0"/>
                                           </p:stCondLst>
@@ -7039,26 +7050,26 @@
                     </p:cTn>
                   </p:par>
                   <p:par>
-                    <p:cTn id="51" fill="hold">
+                    <p:cTn id="53" fill="hold">
                       <p:stCondLst>
                         <p:cond delay="indefinite"/>
                       </p:stCondLst>
                       <p:childTnLst>
                         <p:par>
-                          <p:cTn id="52" fill="hold">
+                          <p:cTn id="54" fill="hold">
                             <p:stCondLst>
                               <p:cond delay="0"/>
                             </p:stCondLst>
                             <p:childTnLst>
                               <p:par>
-                                <p:cTn id="53" presetID="1" presetClass="entr" presetSubtype="0" fill="hold" grpId="0" nodeType="clickEffect">
+                                <p:cTn id="55" presetID="1" presetClass="entr" presetSubtype="0" fill="hold" grpId="0" nodeType="clickEffect">
                                   <p:stCondLst>
                                     <p:cond delay="0"/>
                                   </p:stCondLst>
                                   <p:childTnLst>
                                     <p:set>
                                       <p:cBhvr>
-                                        <p:cTn id="54" dur="1" fill="hold">
+                                        <p:cTn id="56" dur="1" fill="hold">
                                           <p:stCondLst>
                                             <p:cond delay="0"/>
                                           </p:stCondLst>
@@ -7078,14 +7089,14 @@
                                 </p:cTn>
                               </p:par>
                               <p:par>
-                                <p:cTn id="55" presetID="1" presetClass="exit" presetSubtype="0" fill="hold" grpId="1" nodeType="withEffect">
+                                <p:cTn id="57" presetID="1" presetClass="exit" presetSubtype="0" fill="hold" grpId="1" nodeType="withEffect">
                                   <p:stCondLst>
                                     <p:cond delay="0"/>
                                   </p:stCondLst>
                                   <p:childTnLst>
                                     <p:set>
                                       <p:cBhvr>
-                                        <p:cTn id="56" dur="1" fill="hold">
+                                        <p:cTn id="58" dur="1" fill="hold">
                                           <p:stCondLst>
                                             <p:cond delay="0"/>
                                           </p:stCondLst>
@@ -7105,14 +7116,14 @@
                                 </p:cTn>
                               </p:par>
                               <p:par>
-                                <p:cTn id="57" presetID="1" presetClass="exit" presetSubtype="0" fill="hold" grpId="1" nodeType="withEffect">
+                                <p:cTn id="59" presetID="1" presetClass="exit" presetSubtype="0" fill="hold" grpId="1" nodeType="withEffect">
                                   <p:stCondLst>
                                     <p:cond delay="0"/>
                                   </p:stCondLst>
                                   <p:childTnLst>
                                     <p:set>
                                       <p:cBhvr>
-                                        <p:cTn id="58" dur="1" fill="hold">
+                                        <p:cTn id="60" dur="1" fill="hold">
                                           <p:stCondLst>
                                             <p:cond delay="0"/>
                                           </p:stCondLst>
@@ -7138,26 +7149,26 @@
                     </p:cTn>
                   </p:par>
                   <p:par>
-                    <p:cTn id="59" fill="hold">
+                    <p:cTn id="61" fill="hold">
                       <p:stCondLst>
                         <p:cond delay="indefinite"/>
                       </p:stCondLst>
                       <p:childTnLst>
                         <p:par>
-                          <p:cTn id="60" fill="hold">
+                          <p:cTn id="62" fill="hold">
                             <p:stCondLst>
                               <p:cond delay="0"/>
                             </p:stCondLst>
                             <p:childTnLst>
                               <p:par>
-                                <p:cTn id="61" presetID="1" presetClass="entr" presetSubtype="0" fill="hold" grpId="0" nodeType="clickEffect">
+                                <p:cTn id="63" presetID="1" presetClass="entr" presetSubtype="0" fill="hold" grpId="0" nodeType="clickEffect">
                                   <p:stCondLst>
                                     <p:cond delay="0"/>
                                   </p:stCondLst>
                                   <p:childTnLst>
                                     <p:set>
                                       <p:cBhvr>
-                                        <p:cTn id="62" dur="1" fill="hold">
+                                        <p:cTn id="64" dur="1" fill="hold">
                                           <p:stCondLst>
                                             <p:cond delay="0"/>
                                           </p:stCondLst>
@@ -7177,14 +7188,14 @@
                                 </p:cTn>
                               </p:par>
                               <p:par>
-                                <p:cTn id="63" presetID="1" presetClass="entr" presetSubtype="0" fill="hold" nodeType="withEffect">
+                                <p:cTn id="65" presetID="1" presetClass="entr" presetSubtype="0" fill="hold" nodeType="withEffect">
                                   <p:stCondLst>
                                     <p:cond delay="0"/>
                                   </p:stCondLst>
                                   <p:childTnLst>
                                     <p:set>
                                       <p:cBhvr>
-                                        <p:cTn id="64" dur="1" fill="hold">
+                                        <p:cTn id="66" dur="1" fill="hold">
                                           <p:stCondLst>
                                             <p:cond delay="0"/>
                                           </p:stCondLst>
@@ -7210,46 +7221,19 @@
                     </p:cTn>
                   </p:par>
                   <p:par>
-                    <p:cTn id="65" fill="hold">
+                    <p:cTn id="67" fill="hold">
                       <p:stCondLst>
                         <p:cond delay="indefinite"/>
                       </p:stCondLst>
                       <p:childTnLst>
                         <p:par>
-                          <p:cTn id="66" fill="hold">
+                          <p:cTn id="68" fill="hold">
                             <p:stCondLst>
                               <p:cond delay="0"/>
                             </p:stCondLst>
                             <p:childTnLst>
                               <p:par>
-                                <p:cTn id="67" presetID="1" presetClass="entr" presetSubtype="0" fill="hold" grpId="0" nodeType="clickEffect">
-                                  <p:stCondLst>
-                                    <p:cond delay="0"/>
-                                  </p:stCondLst>
-                                  <p:childTnLst>
-                                    <p:set>
-                                      <p:cBhvr>
-                                        <p:cTn id="68" dur="1" fill="hold">
-                                          <p:stCondLst>
-                                            <p:cond delay="0"/>
-                                          </p:stCondLst>
-                                        </p:cTn>
-                                        <p:tgtEl>
-                                          <p:spTgt spid="93"/>
-                                        </p:tgtEl>
-                                        <p:attrNameLst>
-                                          <p:attrName>style.visibility</p:attrName>
-                                        </p:attrNameLst>
-                                      </p:cBhvr>
-                                      <p:to>
-                                        <p:strVal val="visible"/>
-                                      </p:to>
-                                    </p:set>
-                                  </p:childTnLst>
-                                </p:cTn>
-                              </p:par>
-                              <p:par>
-                                <p:cTn id="69" presetID="1" presetClass="entr" presetSubtype="0" fill="hold" nodeType="withEffect">
+                                <p:cTn id="69" presetID="1" presetClass="entr" presetSubtype="0" fill="hold" grpId="0" nodeType="clickEffect">
                                   <p:stCondLst>
                                     <p:cond delay="0"/>
                                   </p:stCondLst>
@@ -7262,7 +7246,7 @@
                                           </p:stCondLst>
                                         </p:cTn>
                                         <p:tgtEl>
-                                          <p:spTgt spid="87"/>
+                                          <p:spTgt spid="93"/>
                                         </p:tgtEl>
                                         <p:attrNameLst>
                                           <p:attrName>style.visibility</p:attrName>
@@ -7289,6 +7273,33 @@
                                           </p:stCondLst>
                                         </p:cTn>
                                         <p:tgtEl>
+                                          <p:spTgt spid="87"/>
+                                        </p:tgtEl>
+                                        <p:attrNameLst>
+                                          <p:attrName>style.visibility</p:attrName>
+                                        </p:attrNameLst>
+                                      </p:cBhvr>
+                                      <p:to>
+                                        <p:strVal val="visible"/>
+                                      </p:to>
+                                    </p:set>
+                                  </p:childTnLst>
+                                </p:cTn>
+                              </p:par>
+                              <p:par>
+                                <p:cTn id="73" presetID="1" presetClass="entr" presetSubtype="0" fill="hold" nodeType="withEffect">
+                                  <p:stCondLst>
+                                    <p:cond delay="0"/>
+                                  </p:stCondLst>
+                                  <p:childTnLst>
+                                    <p:set>
+                                      <p:cBhvr>
+                                        <p:cTn id="74" dur="1" fill="hold">
+                                          <p:stCondLst>
+                                            <p:cond delay="0"/>
+                                          </p:stCondLst>
+                                        </p:cTn>
+                                        <p:tgtEl>
                                           <p:spTgt spid="111"/>
                                         </p:tgtEl>
                                         <p:attrNameLst>
@@ -7309,26 +7320,26 @@
                     </p:cTn>
                   </p:par>
                   <p:par>
-                    <p:cTn id="73" fill="hold">
+                    <p:cTn id="75" fill="hold">
                       <p:stCondLst>
                         <p:cond delay="indefinite"/>
                       </p:stCondLst>
                       <p:childTnLst>
                         <p:par>
-                          <p:cTn id="74" fill="hold">
+                          <p:cTn id="76" fill="hold">
                             <p:stCondLst>
                               <p:cond delay="0"/>
                             </p:stCondLst>
                             <p:childTnLst>
                               <p:par>
-                                <p:cTn id="75" presetID="1" presetClass="entr" presetSubtype="0" fill="hold" grpId="0" nodeType="clickEffect">
+                                <p:cTn id="77" presetID="1" presetClass="entr" presetSubtype="0" fill="hold" grpId="0" nodeType="clickEffect">
                                   <p:stCondLst>
                                     <p:cond delay="0"/>
                                   </p:stCondLst>
                                   <p:childTnLst>
                                     <p:set>
                                       <p:cBhvr>
-                                        <p:cTn id="76" dur="1" fill="hold">
+                                        <p:cTn id="78" dur="1" fill="hold">
                                           <p:stCondLst>
                                             <p:cond delay="0"/>
                                           </p:stCondLst>
@@ -7348,14 +7359,14 @@
                                 </p:cTn>
                               </p:par>
                               <p:par>
-                                <p:cTn id="77" presetID="1" presetClass="entr" presetSubtype="0" fill="hold" nodeType="withEffect">
+                                <p:cTn id="79" presetID="1" presetClass="entr" presetSubtype="0" fill="hold" nodeType="withEffect">
                                   <p:stCondLst>
                                     <p:cond delay="0"/>
                                   </p:stCondLst>
                                   <p:childTnLst>
                                     <p:set>
                                       <p:cBhvr>
-                                        <p:cTn id="78" dur="1" fill="hold">
+                                        <p:cTn id="80" dur="1" fill="hold">
                                           <p:stCondLst>
                                             <p:cond delay="0"/>
                                           </p:stCondLst>
@@ -7381,26 +7392,26 @@
                     </p:cTn>
                   </p:par>
                   <p:par>
-                    <p:cTn id="79" fill="hold">
+                    <p:cTn id="81" fill="hold">
                       <p:stCondLst>
                         <p:cond delay="indefinite"/>
                       </p:stCondLst>
                       <p:childTnLst>
                         <p:par>
-                          <p:cTn id="80" fill="hold">
+                          <p:cTn id="82" fill="hold">
                             <p:stCondLst>
                               <p:cond delay="0"/>
                             </p:stCondLst>
                             <p:childTnLst>
                               <p:par>
-                                <p:cTn id="81" presetID="1" presetClass="entr" presetSubtype="0" fill="hold" nodeType="clickEffect">
+                                <p:cTn id="83" presetID="1" presetClass="entr" presetSubtype="0" fill="hold" nodeType="clickEffect">
                                   <p:stCondLst>
                                     <p:cond delay="0"/>
                                   </p:stCondLst>
                                   <p:childTnLst>
                                     <p:set>
                                       <p:cBhvr>
-                                        <p:cTn id="82" dur="1" fill="hold">
+                                        <p:cTn id="84" dur="1" fill="hold">
                                           <p:stCondLst>
                                             <p:cond delay="0"/>
                                           </p:stCondLst>
@@ -7426,26 +7437,26 @@
                     </p:cTn>
                   </p:par>
                   <p:par>
-                    <p:cTn id="83" fill="hold">
+                    <p:cTn id="85" fill="hold">
                       <p:stCondLst>
                         <p:cond delay="indefinite"/>
                       </p:stCondLst>
                       <p:childTnLst>
                         <p:par>
-                          <p:cTn id="84" fill="hold">
+                          <p:cTn id="86" fill="hold">
                             <p:stCondLst>
                               <p:cond delay="0"/>
                             </p:stCondLst>
                             <p:childTnLst>
                               <p:par>
-                                <p:cTn id="85" presetID="1" presetClass="entr" presetSubtype="0" fill="hold" nodeType="clickEffect">
+                                <p:cTn id="87" presetID="1" presetClass="entr" presetSubtype="0" fill="hold" nodeType="clickEffect">
                                   <p:stCondLst>
                                     <p:cond delay="0"/>
                                   </p:stCondLst>
                                   <p:childTnLst>
                                     <p:set>
                                       <p:cBhvr>
-                                        <p:cTn id="86" dur="1" fill="hold">
+                                        <p:cTn id="88" dur="1" fill="hold">
                                           <p:stCondLst>
                                             <p:cond delay="0"/>
                                           </p:stCondLst>
@@ -7465,14 +7476,14 @@
                                 </p:cTn>
                               </p:par>
                               <p:par>
-                                <p:cTn id="87" presetID="1" presetClass="entr" presetSubtype="0" fill="hold" grpId="0" nodeType="withEffect">
+                                <p:cTn id="89" presetID="1" presetClass="entr" presetSubtype="0" fill="hold" grpId="0" nodeType="withEffect">
                                   <p:stCondLst>
                                     <p:cond delay="0"/>
                                   </p:stCondLst>
                                   <p:childTnLst>
                                     <p:set>
                                       <p:cBhvr>
-                                        <p:cTn id="88" dur="1" fill="hold">
+                                        <p:cTn id="90" dur="1" fill="hold">
                                           <p:stCondLst>
                                             <p:cond delay="0"/>
                                           </p:stCondLst>
@@ -7498,46 +7509,19 @@
                     </p:cTn>
                   </p:par>
                   <p:par>
-                    <p:cTn id="89" fill="hold">
+                    <p:cTn id="91" fill="hold">
                       <p:stCondLst>
                         <p:cond delay="indefinite"/>
                       </p:stCondLst>
                       <p:childTnLst>
                         <p:par>
-                          <p:cTn id="90" fill="hold">
+                          <p:cTn id="92" fill="hold">
                             <p:stCondLst>
                               <p:cond delay="0"/>
                             </p:stCondLst>
                             <p:childTnLst>
                               <p:par>
-                                <p:cTn id="91" presetID="1" presetClass="entr" presetSubtype="0" fill="hold" grpId="0" nodeType="clickEffect">
-                                  <p:stCondLst>
-                                    <p:cond delay="0"/>
-                                  </p:stCondLst>
-                                  <p:childTnLst>
-                                    <p:set>
-                                      <p:cBhvr>
-                                        <p:cTn id="92" dur="1" fill="hold">
-                                          <p:stCondLst>
-                                            <p:cond delay="0"/>
-                                          </p:stCondLst>
-                                        </p:cTn>
-                                        <p:tgtEl>
-                                          <p:spTgt spid="72"/>
-                                        </p:tgtEl>
-                                        <p:attrNameLst>
-                                          <p:attrName>style.visibility</p:attrName>
-                                        </p:attrNameLst>
-                                      </p:cBhvr>
-                                      <p:to>
-                                        <p:strVal val="visible"/>
-                                      </p:to>
-                                    </p:set>
-                                  </p:childTnLst>
-                                </p:cTn>
-                              </p:par>
-                              <p:par>
-                                <p:cTn id="93" presetID="1" presetClass="entr" presetSubtype="0" fill="hold" nodeType="withEffect">
+                                <p:cTn id="93" presetID="1" presetClass="entr" presetSubtype="0" fill="hold" grpId="0" nodeType="clickEffect">
                                   <p:stCondLst>
                                     <p:cond delay="0"/>
                                   </p:stCondLst>
@@ -7550,7 +7534,7 @@
                                           </p:stCondLst>
                                         </p:cTn>
                                         <p:tgtEl>
-                                          <p:spTgt spid="73"/>
+                                          <p:spTgt spid="72"/>
                                         </p:tgtEl>
                                         <p:attrNameLst>
                                           <p:attrName>style.visibility</p:attrName>
@@ -7577,6 +7561,33 @@
                                           </p:stCondLst>
                                         </p:cTn>
                                         <p:tgtEl>
+                                          <p:spTgt spid="73"/>
+                                        </p:tgtEl>
+                                        <p:attrNameLst>
+                                          <p:attrName>style.visibility</p:attrName>
+                                        </p:attrNameLst>
+                                      </p:cBhvr>
+                                      <p:to>
+                                        <p:strVal val="visible"/>
+                                      </p:to>
+                                    </p:set>
+                                  </p:childTnLst>
+                                </p:cTn>
+                              </p:par>
+                              <p:par>
+                                <p:cTn id="97" presetID="1" presetClass="entr" presetSubtype="0" fill="hold" nodeType="withEffect">
+                                  <p:stCondLst>
+                                    <p:cond delay="0"/>
+                                  </p:stCondLst>
+                                  <p:childTnLst>
+                                    <p:set>
+                                      <p:cBhvr>
+                                        <p:cTn id="98" dur="1" fill="hold">
+                                          <p:stCondLst>
+                                            <p:cond delay="0"/>
+                                          </p:stCondLst>
+                                        </p:cTn>
+                                        <p:tgtEl>
                                           <p:spTgt spid="76"/>
                                         </p:tgtEl>
                                         <p:attrNameLst>
@@ -7597,26 +7608,26 @@
                     </p:cTn>
                   </p:par>
                   <p:par>
-                    <p:cTn id="97" fill="hold">
+                    <p:cTn id="99" fill="hold">
                       <p:stCondLst>
                         <p:cond delay="indefinite"/>
                       </p:stCondLst>
                       <p:childTnLst>
                         <p:par>
-                          <p:cTn id="98" fill="hold">
+                          <p:cTn id="100" fill="hold">
                             <p:stCondLst>
                               <p:cond delay="0"/>
                             </p:stCondLst>
                             <p:childTnLst>
                               <p:par>
-                                <p:cTn id="99" presetID="1" presetClass="entr" presetSubtype="0" fill="hold" grpId="0" nodeType="clickEffect">
+                                <p:cTn id="101" presetID="1" presetClass="entr" presetSubtype="0" fill="hold" grpId="0" nodeType="clickEffect">
                                   <p:stCondLst>
                                     <p:cond delay="0"/>
                                   </p:stCondLst>
                                   <p:childTnLst>
                                     <p:set>
                                       <p:cBhvr>
-                                        <p:cTn id="100" dur="1" fill="hold">
+                                        <p:cTn id="102" dur="1" fill="hold">
                                           <p:stCondLst>
                                             <p:cond delay="0"/>
                                           </p:stCondLst>
@@ -7636,14 +7647,14 @@
                                 </p:cTn>
                               </p:par>
                               <p:par>
-                                <p:cTn id="101" presetID="1" presetClass="entr" presetSubtype="0" fill="hold" nodeType="withEffect">
+                                <p:cTn id="103" presetID="1" presetClass="entr" presetSubtype="0" fill="hold" nodeType="withEffect">
                                   <p:stCondLst>
                                     <p:cond delay="0"/>
                                   </p:stCondLst>
                                   <p:childTnLst>
                                     <p:set>
                                       <p:cBhvr>
-                                        <p:cTn id="102" dur="1" fill="hold">
+                                        <p:cTn id="104" dur="1" fill="hold">
                                           <p:stCondLst>
                                             <p:cond delay="0"/>
                                           </p:stCondLst>
@@ -7669,26 +7680,26 @@
                     </p:cTn>
                   </p:par>
                   <p:par>
-                    <p:cTn id="103" fill="hold">
+                    <p:cTn id="105" fill="hold">
                       <p:stCondLst>
                         <p:cond delay="indefinite"/>
                       </p:stCondLst>
                       <p:childTnLst>
                         <p:par>
-                          <p:cTn id="104" fill="hold">
+                          <p:cTn id="106" fill="hold">
                             <p:stCondLst>
                               <p:cond delay="0"/>
                             </p:stCondLst>
                             <p:childTnLst>
                               <p:par>
-                                <p:cTn id="105" presetID="1" presetClass="entr" presetSubtype="0" fill="hold" grpId="0" nodeType="clickEffect">
+                                <p:cTn id="107" presetID="1" presetClass="entr" presetSubtype="0" fill="hold" grpId="0" nodeType="clickEffect">
                                   <p:stCondLst>
                                     <p:cond delay="0"/>
                                   </p:stCondLst>
                                   <p:childTnLst>
                                     <p:set>
                                       <p:cBhvr>
-                                        <p:cTn id="106" dur="1" fill="hold">
+                                        <p:cTn id="108" dur="1" fill="hold">
                                           <p:stCondLst>
                                             <p:cond delay="0"/>
                                           </p:stCondLst>
@@ -7708,14 +7719,14 @@
                                 </p:cTn>
                               </p:par>
                               <p:par>
-                                <p:cTn id="107" presetID="1" presetClass="entr" presetSubtype="0" fill="hold" nodeType="withEffect">
+                                <p:cTn id="109" presetID="1" presetClass="entr" presetSubtype="0" fill="hold" nodeType="withEffect">
                                   <p:stCondLst>
                                     <p:cond delay="0"/>
                                   </p:stCondLst>
                                   <p:childTnLst>
                                     <p:set>
                                       <p:cBhvr>
-                                        <p:cTn id="108" dur="1" fill="hold">
+                                        <p:cTn id="110" dur="1" fill="hold">
                                           <p:stCondLst>
                                             <p:cond delay="0"/>
                                           </p:stCondLst>
@@ -7741,46 +7752,19 @@
                     </p:cTn>
                   </p:par>
                   <p:par>
-                    <p:cTn id="109" fill="hold">
+                    <p:cTn id="111" fill="hold">
                       <p:stCondLst>
                         <p:cond delay="indefinite"/>
                       </p:stCondLst>
                       <p:childTnLst>
                         <p:par>
-                          <p:cTn id="110" fill="hold">
+                          <p:cTn id="112" fill="hold">
                             <p:stCondLst>
                               <p:cond delay="0"/>
                             </p:stCondLst>
                             <p:childTnLst>
                               <p:par>
-                                <p:cTn id="111" presetID="1" presetClass="entr" presetSubtype="0" fill="hold" grpId="0" nodeType="clickEffect">
-                                  <p:stCondLst>
-                                    <p:cond delay="0"/>
-                                  </p:stCondLst>
-                                  <p:childTnLst>
-                                    <p:set>
-                                      <p:cBhvr>
-                                        <p:cTn id="112" dur="1" fill="hold">
-                                          <p:stCondLst>
-                                            <p:cond delay="0"/>
-                                          </p:stCondLst>
-                                        </p:cTn>
-                                        <p:tgtEl>
-                                          <p:spTgt spid="54"/>
-                                        </p:tgtEl>
-                                        <p:attrNameLst>
-                                          <p:attrName>style.visibility</p:attrName>
-                                        </p:attrNameLst>
-                                      </p:cBhvr>
-                                      <p:to>
-                                        <p:strVal val="visible"/>
-                                      </p:to>
-                                    </p:set>
-                                  </p:childTnLst>
-                                </p:cTn>
-                              </p:par>
-                              <p:par>
-                                <p:cTn id="113" presetID="1" presetClass="entr" presetSubtype="0" fill="hold" nodeType="withEffect">
+                                <p:cTn id="113" presetID="1" presetClass="entr" presetSubtype="0" fill="hold" grpId="0" nodeType="clickEffect">
                                   <p:stCondLst>
                                     <p:cond delay="0"/>
                                   </p:stCondLst>
@@ -7793,7 +7777,7 @@
                                           </p:stCondLst>
                                         </p:cTn>
                                         <p:tgtEl>
-                                          <p:spTgt spid="88"/>
+                                          <p:spTgt spid="54"/>
                                         </p:tgtEl>
                                         <p:attrNameLst>
                                           <p:attrName>style.visibility</p:attrName>
@@ -7820,6 +7804,33 @@
                                           </p:stCondLst>
                                         </p:cTn>
                                         <p:tgtEl>
+                                          <p:spTgt spid="88"/>
+                                        </p:tgtEl>
+                                        <p:attrNameLst>
+                                          <p:attrName>style.visibility</p:attrName>
+                                        </p:attrNameLst>
+                                      </p:cBhvr>
+                                      <p:to>
+                                        <p:strVal val="visible"/>
+                                      </p:to>
+                                    </p:set>
+                                  </p:childTnLst>
+                                </p:cTn>
+                              </p:par>
+                              <p:par>
+                                <p:cTn id="117" presetID="1" presetClass="entr" presetSubtype="0" fill="hold" nodeType="withEffect">
+                                  <p:stCondLst>
+                                    <p:cond delay="0"/>
+                                  </p:stCondLst>
+                                  <p:childTnLst>
+                                    <p:set>
+                                      <p:cBhvr>
+                                        <p:cTn id="118" dur="1" fill="hold">
+                                          <p:stCondLst>
+                                            <p:cond delay="0"/>
+                                          </p:stCondLst>
+                                        </p:cTn>
+                                        <p:tgtEl>
                                           <p:spTgt spid="53"/>
                                         </p:tgtEl>
                                         <p:attrNameLst>
@@ -7840,26 +7851,26 @@
                     </p:cTn>
                   </p:par>
                   <p:par>
-                    <p:cTn id="117" fill="hold">
+                    <p:cTn id="119" fill="hold">
                       <p:stCondLst>
                         <p:cond delay="indefinite"/>
                       </p:stCondLst>
                       <p:childTnLst>
                         <p:par>
-                          <p:cTn id="118" fill="hold">
+                          <p:cTn id="120" fill="hold">
                             <p:stCondLst>
                               <p:cond delay="0"/>
                             </p:stCondLst>
                             <p:childTnLst>
                               <p:par>
-                                <p:cTn id="119" presetID="1" presetClass="entr" presetSubtype="0" fill="hold" grpId="0" nodeType="clickEffect">
+                                <p:cTn id="121" presetID="1" presetClass="entr" presetSubtype="0" fill="hold" grpId="0" nodeType="clickEffect">
                                   <p:stCondLst>
                                     <p:cond delay="0"/>
                                   </p:stCondLst>
                                   <p:childTnLst>
                                     <p:set>
                                       <p:cBhvr>
-                                        <p:cTn id="120" dur="1" fill="hold">
+                                        <p:cTn id="122" dur="1" fill="hold">
                                           <p:stCondLst>
                                             <p:cond delay="0"/>
                                           </p:stCondLst>
@@ -7879,14 +7890,14 @@
                                 </p:cTn>
                               </p:par>
                               <p:par>
-                                <p:cTn id="121" presetID="1" presetClass="entr" presetSubtype="0" fill="hold" nodeType="withEffect">
+                                <p:cTn id="123" presetID="1" presetClass="entr" presetSubtype="0" fill="hold" nodeType="withEffect">
                                   <p:stCondLst>
                                     <p:cond delay="0"/>
                                   </p:stCondLst>
                                   <p:childTnLst>
                                     <p:set>
                                       <p:cBhvr>
-                                        <p:cTn id="122" dur="1" fill="hold">
+                                        <p:cTn id="124" dur="1" fill="hold">
                                           <p:stCondLst>
                                             <p:cond delay="0"/>
                                           </p:stCondLst>
@@ -7912,26 +7923,26 @@
                     </p:cTn>
                   </p:par>
                   <p:par>
-                    <p:cTn id="123" fill="hold">
+                    <p:cTn id="125" fill="hold">
                       <p:stCondLst>
                         <p:cond delay="indefinite"/>
                       </p:stCondLst>
                       <p:childTnLst>
                         <p:par>
-                          <p:cTn id="124" fill="hold">
+                          <p:cTn id="126" fill="hold">
                             <p:stCondLst>
                               <p:cond delay="0"/>
                             </p:stCondLst>
                             <p:childTnLst>
                               <p:par>
-                                <p:cTn id="125" presetID="1" presetClass="entr" presetSubtype="0" fill="hold" grpId="0" nodeType="clickEffect">
+                                <p:cTn id="127" presetID="1" presetClass="entr" presetSubtype="0" fill="hold" grpId="0" nodeType="clickEffect">
                                   <p:stCondLst>
                                     <p:cond delay="0"/>
                                   </p:stCondLst>
                                   <p:childTnLst>
                                     <p:set>
                                       <p:cBhvr>
-                                        <p:cTn id="126" dur="1" fill="hold">
+                                        <p:cTn id="128" dur="1" fill="hold">
                                           <p:stCondLst>
                                             <p:cond delay="0"/>
                                           </p:stCondLst>
@@ -7951,14 +7962,14 @@
                                 </p:cTn>
                               </p:par>
                               <p:par>
-                                <p:cTn id="127" presetID="1" presetClass="entr" presetSubtype="0" fill="hold" nodeType="withEffect">
+                                <p:cTn id="129" presetID="1" presetClass="entr" presetSubtype="0" fill="hold" nodeType="withEffect">
                                   <p:stCondLst>
                                     <p:cond delay="0"/>
                                   </p:stCondLst>
                                   <p:childTnLst>
                                     <p:set>
                                       <p:cBhvr>
-                                        <p:cTn id="128" dur="1" fill="hold">
+                                        <p:cTn id="130" dur="1" fill="hold">
                                           <p:stCondLst>
                                             <p:cond delay="0"/>
                                           </p:stCondLst>
@@ -7984,26 +7995,26 @@
                     </p:cTn>
                   </p:par>
                   <p:par>
-                    <p:cTn id="129" fill="hold">
+                    <p:cTn id="131" fill="hold">
                       <p:stCondLst>
                         <p:cond delay="indefinite"/>
                       </p:stCondLst>
                       <p:childTnLst>
                         <p:par>
-                          <p:cTn id="130" fill="hold">
+                          <p:cTn id="132" fill="hold">
                             <p:stCondLst>
                               <p:cond delay="0"/>
                             </p:stCondLst>
                             <p:childTnLst>
                               <p:par>
-                                <p:cTn id="131" presetID="1" presetClass="entr" presetSubtype="0" fill="hold" grpId="0" nodeType="clickEffect">
+                                <p:cTn id="133" presetID="1" presetClass="entr" presetSubtype="0" fill="hold" grpId="0" nodeType="clickEffect">
                                   <p:stCondLst>
                                     <p:cond delay="0"/>
                                   </p:stCondLst>
                                   <p:childTnLst>
                                     <p:set>
                                       <p:cBhvr>
-                                        <p:cTn id="132" dur="1" fill="hold">
+                                        <p:cTn id="134" dur="1" fill="hold">
                                           <p:stCondLst>
                                             <p:cond delay="0"/>
                                           </p:stCondLst>
@@ -8023,14 +8034,14 @@
                                 </p:cTn>
                               </p:par>
                               <p:par>
-                                <p:cTn id="133" presetID="1" presetClass="entr" presetSubtype="0" fill="hold" nodeType="withEffect">
+                                <p:cTn id="135" presetID="1" presetClass="entr" presetSubtype="0" fill="hold" nodeType="withEffect">
                                   <p:stCondLst>
                                     <p:cond delay="0"/>
                                   </p:stCondLst>
                                   <p:childTnLst>
                                     <p:set>
                                       <p:cBhvr>
-                                        <p:cTn id="134" dur="1" fill="hold">
+                                        <p:cTn id="136" dur="1" fill="hold">
                                           <p:stCondLst>
                                             <p:cond delay="0"/>
                                           </p:stCondLst>
@@ -8056,26 +8067,26 @@
                     </p:cTn>
                   </p:par>
                   <p:par>
-                    <p:cTn id="135" fill="hold">
+                    <p:cTn id="137" fill="hold">
                       <p:stCondLst>
                         <p:cond delay="indefinite"/>
                       </p:stCondLst>
                       <p:childTnLst>
                         <p:par>
-                          <p:cTn id="136" fill="hold">
+                          <p:cTn id="138" fill="hold">
                             <p:stCondLst>
                               <p:cond delay="0"/>
                             </p:stCondLst>
                             <p:childTnLst>
                               <p:par>
-                                <p:cTn id="137" presetID="1" presetClass="entr" presetSubtype="0" fill="hold" grpId="0" nodeType="clickEffect">
+                                <p:cTn id="139" presetID="1" presetClass="entr" presetSubtype="0" fill="hold" grpId="0" nodeType="clickEffect">
                                   <p:stCondLst>
                                     <p:cond delay="0"/>
                                   </p:stCondLst>
                                   <p:childTnLst>
                                     <p:set>
                                       <p:cBhvr>
-                                        <p:cTn id="138" dur="1" fill="hold">
+                                        <p:cTn id="140" dur="1" fill="hold">
                                           <p:stCondLst>
                                             <p:cond delay="0"/>
                                           </p:stCondLst>
@@ -8095,14 +8106,14 @@
                                 </p:cTn>
                               </p:par>
                               <p:par>
-                                <p:cTn id="139" presetID="1" presetClass="entr" presetSubtype="0" fill="hold" nodeType="withEffect">
+                                <p:cTn id="141" presetID="1" presetClass="entr" presetSubtype="0" fill="hold" nodeType="withEffect">
                                   <p:stCondLst>
                                     <p:cond delay="0"/>
                                   </p:stCondLst>
                                   <p:childTnLst>
                                     <p:set>
                                       <p:cBhvr>
-                                        <p:cTn id="140" dur="1" fill="hold">
+                                        <p:cTn id="142" dur="1" fill="hold">
                                           <p:stCondLst>
                                             <p:cond delay="0"/>
                                           </p:stCondLst>
@@ -8128,26 +8139,26 @@
                     </p:cTn>
                   </p:par>
                   <p:par>
-                    <p:cTn id="141" fill="hold">
+                    <p:cTn id="143" fill="hold">
                       <p:stCondLst>
                         <p:cond delay="indefinite"/>
                       </p:stCondLst>
                       <p:childTnLst>
                         <p:par>
-                          <p:cTn id="142" fill="hold">
+                          <p:cTn id="144" fill="hold">
                             <p:stCondLst>
                               <p:cond delay="0"/>
                             </p:stCondLst>
                             <p:childTnLst>
                               <p:par>
-                                <p:cTn id="143" presetID="1" presetClass="entr" presetSubtype="0" fill="hold" grpId="0" nodeType="clickEffect">
+                                <p:cTn id="145" presetID="1" presetClass="entr" presetSubtype="0" fill="hold" grpId="0" nodeType="clickEffect">
                                   <p:stCondLst>
                                     <p:cond delay="0"/>
                                   </p:stCondLst>
                                   <p:childTnLst>
                                     <p:set>
                                       <p:cBhvr>
-                                        <p:cTn id="144" dur="1" fill="hold">
+                                        <p:cTn id="146" dur="1" fill="hold">
                                           <p:stCondLst>
                                             <p:cond delay="0"/>
                                           </p:stCondLst>
@@ -8167,14 +8178,14 @@
                                 </p:cTn>
                               </p:par>
                               <p:par>
-                                <p:cTn id="145" presetID="1" presetClass="entr" presetSubtype="0" fill="hold" nodeType="withEffect">
+                                <p:cTn id="147" presetID="1" presetClass="entr" presetSubtype="0" fill="hold" nodeType="withEffect">
                                   <p:stCondLst>
                                     <p:cond delay="0"/>
                                   </p:stCondLst>
                                   <p:childTnLst>
                                     <p:set>
                                       <p:cBhvr>
-                                        <p:cTn id="146" dur="1" fill="hold">
+                                        <p:cTn id="148" dur="1" fill="hold">
                                           <p:stCondLst>
                                             <p:cond delay="0"/>
                                           </p:stCondLst>
@@ -8200,46 +8211,19 @@
                     </p:cTn>
                   </p:par>
                   <p:par>
-                    <p:cTn id="147" fill="hold">
+                    <p:cTn id="149" fill="hold">
                       <p:stCondLst>
                         <p:cond delay="indefinite"/>
                       </p:stCondLst>
                       <p:childTnLst>
                         <p:par>
-                          <p:cTn id="148" fill="hold">
+                          <p:cTn id="150" fill="hold">
                             <p:stCondLst>
                               <p:cond delay="0"/>
                             </p:stCondLst>
                             <p:childTnLst>
                               <p:par>
-                                <p:cTn id="149" presetID="1" presetClass="entr" presetSubtype="0" fill="hold" nodeType="clickEffect">
-                                  <p:stCondLst>
-                                    <p:cond delay="0"/>
-                                  </p:stCondLst>
-                                  <p:childTnLst>
-                                    <p:set>
-                                      <p:cBhvr>
-                                        <p:cTn id="150" dur="1" fill="hold">
-                                          <p:stCondLst>
-                                            <p:cond delay="0"/>
-                                          </p:stCondLst>
-                                        </p:cTn>
-                                        <p:tgtEl>
-                                          <p:spTgt spid="100"/>
-                                        </p:tgtEl>
-                                        <p:attrNameLst>
-                                          <p:attrName>style.visibility</p:attrName>
-                                        </p:attrNameLst>
-                                      </p:cBhvr>
-                                      <p:to>
-                                        <p:strVal val="visible"/>
-                                      </p:to>
-                                    </p:set>
-                                  </p:childTnLst>
-                                </p:cTn>
-                              </p:par>
-                              <p:par>
-                                <p:cTn id="151" presetID="1" presetClass="entr" presetSubtype="0" fill="hold" nodeType="withEffect">
+                                <p:cTn id="151" presetID="1" presetClass="entr" presetSubtype="0" fill="hold" nodeType="clickEffect">
                                   <p:stCondLst>
                                     <p:cond delay="0"/>
                                   </p:stCondLst>
@@ -8252,7 +8236,7 @@
                                           </p:stCondLst>
                                         </p:cTn>
                                         <p:tgtEl>
-                                          <p:spTgt spid="78"/>
+                                          <p:spTgt spid="100"/>
                                         </p:tgtEl>
                                         <p:attrNameLst>
                                           <p:attrName>style.visibility</p:attrName>
@@ -8279,7 +8263,7 @@
                                           </p:stCondLst>
                                         </p:cTn>
                                         <p:tgtEl>
-                                          <p:spTgt spid="95"/>
+                                          <p:spTgt spid="78"/>
                                         </p:tgtEl>
                                         <p:attrNameLst>
                                           <p:attrName>style.visibility</p:attrName>
@@ -8306,7 +8290,7 @@
                                           </p:stCondLst>
                                         </p:cTn>
                                         <p:tgtEl>
-                                          <p:spTgt spid="51"/>
+                                          <p:spTgt spid="95"/>
                                         </p:tgtEl>
                                         <p:attrNameLst>
                                           <p:attrName>style.visibility</p:attrName>
@@ -8333,6 +8317,33 @@
                                           </p:stCondLst>
                                         </p:cTn>
                                         <p:tgtEl>
+                                          <p:spTgt spid="51"/>
+                                        </p:tgtEl>
+                                        <p:attrNameLst>
+                                          <p:attrName>style.visibility</p:attrName>
+                                        </p:attrNameLst>
+                                      </p:cBhvr>
+                                      <p:to>
+                                        <p:strVal val="visible"/>
+                                      </p:to>
+                                    </p:set>
+                                  </p:childTnLst>
+                                </p:cTn>
+                              </p:par>
+                              <p:par>
+                                <p:cTn id="159" presetID="1" presetClass="entr" presetSubtype="0" fill="hold" nodeType="withEffect">
+                                  <p:stCondLst>
+                                    <p:cond delay="0"/>
+                                  </p:stCondLst>
+                                  <p:childTnLst>
+                                    <p:set>
+                                      <p:cBhvr>
+                                        <p:cTn id="160" dur="1" fill="hold">
+                                          <p:stCondLst>
+                                            <p:cond delay="0"/>
+                                          </p:stCondLst>
+                                        </p:cTn>
+                                        <p:tgtEl>
                                           <p:spTgt spid="130"/>
                                         </p:tgtEl>
                                         <p:attrNameLst>
@@ -8353,26 +8364,26 @@
                     </p:cTn>
                   </p:par>
                   <p:par>
-                    <p:cTn id="159" fill="hold">
+                    <p:cTn id="161" fill="hold">
                       <p:stCondLst>
                         <p:cond delay="indefinite"/>
                       </p:stCondLst>
                       <p:childTnLst>
                         <p:par>
-                          <p:cTn id="160" fill="hold">
+                          <p:cTn id="162" fill="hold">
                             <p:stCondLst>
                               <p:cond delay="0"/>
                             </p:stCondLst>
                             <p:childTnLst>
                               <p:par>
-                                <p:cTn id="161" presetID="1" presetClass="entr" presetSubtype="0" fill="hold" nodeType="clickEffect">
+                                <p:cTn id="163" presetID="1" presetClass="entr" presetSubtype="0" fill="hold" nodeType="clickEffect">
                                   <p:stCondLst>
                                     <p:cond delay="0"/>
                                   </p:stCondLst>
                                   <p:childTnLst>
                                     <p:set>
                                       <p:cBhvr>
-                                        <p:cTn id="162" dur="1" fill="hold">
+                                        <p:cTn id="164" dur="1" fill="hold">
                                           <p:stCondLst>
                                             <p:cond delay="0"/>
                                           </p:stCondLst>
@@ -8398,26 +8409,26 @@
                     </p:cTn>
                   </p:par>
                   <p:par>
-                    <p:cTn id="163" fill="hold">
+                    <p:cTn id="165" fill="hold">
                       <p:stCondLst>
                         <p:cond delay="indefinite"/>
                       </p:stCondLst>
                       <p:childTnLst>
                         <p:par>
-                          <p:cTn id="164" fill="hold">
+                          <p:cTn id="166" fill="hold">
                             <p:stCondLst>
                               <p:cond delay="0"/>
                             </p:stCondLst>
                             <p:childTnLst>
                               <p:par>
-                                <p:cTn id="165" presetID="1" presetClass="entr" presetSubtype="0" fill="hold" grpId="0" nodeType="clickEffect">
+                                <p:cTn id="167" presetID="1" presetClass="entr" presetSubtype="0" fill="hold" grpId="0" nodeType="clickEffect">
                                   <p:stCondLst>
                                     <p:cond delay="0"/>
                                   </p:stCondLst>
                                   <p:childTnLst>
                                     <p:set>
                                       <p:cBhvr>
-                                        <p:cTn id="166" dur="1" fill="hold">
+                                        <p:cTn id="168" dur="1" fill="hold">
                                           <p:stCondLst>
                                             <p:cond delay="0"/>
                                           </p:stCondLst>
@@ -8443,26 +8454,26 @@
                     </p:cTn>
                   </p:par>
                   <p:par>
-                    <p:cTn id="167" fill="hold">
+                    <p:cTn id="169" fill="hold">
                       <p:stCondLst>
                         <p:cond delay="indefinite"/>
                       </p:stCondLst>
                       <p:childTnLst>
                         <p:par>
-                          <p:cTn id="168" fill="hold">
+                          <p:cTn id="170" fill="hold">
                             <p:stCondLst>
                               <p:cond delay="0"/>
                             </p:stCondLst>
                             <p:childTnLst>
                               <p:par>
-                                <p:cTn id="169" presetID="1" presetClass="entr" presetSubtype="0" fill="hold" grpId="0" nodeType="clickEffect">
+                                <p:cTn id="171" presetID="1" presetClass="entr" presetSubtype="0" fill="hold" grpId="0" nodeType="clickEffect">
                                   <p:stCondLst>
                                     <p:cond delay="0"/>
                                   </p:stCondLst>
                                   <p:childTnLst>
                                     <p:set>
                                       <p:cBhvr>
-                                        <p:cTn id="170" dur="1" fill="hold">
+                                        <p:cTn id="172" dur="1" fill="hold">
                                           <p:stCondLst>
                                             <p:cond delay="0"/>
                                           </p:stCondLst>
@@ -8482,14 +8493,14 @@
                                 </p:cTn>
                               </p:par>
                               <p:par>
-                                <p:cTn id="171" presetID="1" presetClass="entr" presetSubtype="0" fill="hold" nodeType="withEffect">
+                                <p:cTn id="173" presetID="1" presetClass="entr" presetSubtype="0" fill="hold" nodeType="withEffect">
                                   <p:stCondLst>
                                     <p:cond delay="0"/>
                                   </p:stCondLst>
                                   <p:childTnLst>
                                     <p:set>
                                       <p:cBhvr>
-                                        <p:cTn id="172" dur="1" fill="hold">
+                                        <p:cTn id="174" dur="1" fill="hold">
                                           <p:stCondLst>
                                             <p:cond delay="0"/>
                                           </p:stCondLst>
@@ -8515,26 +8526,26 @@
                     </p:cTn>
                   </p:par>
                   <p:par>
-                    <p:cTn id="173" fill="hold">
+                    <p:cTn id="175" fill="hold">
                       <p:stCondLst>
                         <p:cond delay="indefinite"/>
                       </p:stCondLst>
                       <p:childTnLst>
                         <p:par>
-                          <p:cTn id="174" fill="hold">
+                          <p:cTn id="176" fill="hold">
                             <p:stCondLst>
                               <p:cond delay="0"/>
                             </p:stCondLst>
                             <p:childTnLst>
                               <p:par>
-                                <p:cTn id="175" presetID="1" presetClass="entr" presetSubtype="0" fill="hold" grpId="0" nodeType="clickEffect">
+                                <p:cTn id="177" presetID="1" presetClass="entr" presetSubtype="0" fill="hold" grpId="0" nodeType="clickEffect">
                                   <p:stCondLst>
                                     <p:cond delay="0"/>
                                   </p:stCondLst>
                                   <p:childTnLst>
                                     <p:set>
                                       <p:cBhvr>
-                                        <p:cTn id="176" dur="1" fill="hold">
+                                        <p:cTn id="178" dur="1" fill="hold">
                                           <p:stCondLst>
                                             <p:cond delay="0"/>
                                           </p:stCondLst>
@@ -8554,14 +8565,14 @@
                                 </p:cTn>
                               </p:par>
                               <p:par>
-                                <p:cTn id="177" presetID="1" presetClass="entr" presetSubtype="0" fill="hold" nodeType="withEffect">
+                                <p:cTn id="179" presetID="1" presetClass="entr" presetSubtype="0" fill="hold" nodeType="withEffect">
                                   <p:stCondLst>
                                     <p:cond delay="0"/>
                                   </p:stCondLst>
                                   <p:childTnLst>
                                     <p:set>
                                       <p:cBhvr>
-                                        <p:cTn id="178" dur="1" fill="hold">
+                                        <p:cTn id="180" dur="1" fill="hold">
                                           <p:stCondLst>
                                             <p:cond delay="0"/>
                                           </p:stCondLst>
@@ -8587,46 +8598,19 @@
                     </p:cTn>
                   </p:par>
                   <p:par>
-                    <p:cTn id="179" fill="hold">
+                    <p:cTn id="181" fill="hold">
                       <p:stCondLst>
                         <p:cond delay="indefinite"/>
                       </p:stCondLst>
                       <p:childTnLst>
                         <p:par>
-                          <p:cTn id="180" fill="hold">
+                          <p:cTn id="182" fill="hold">
                             <p:stCondLst>
                               <p:cond delay="0"/>
                             </p:stCondLst>
                             <p:childTnLst>
                               <p:par>
-                                <p:cTn id="181" presetID="1" presetClass="entr" presetSubtype="0" fill="hold" grpId="0" nodeType="clickEffect">
-                                  <p:stCondLst>
-                                    <p:cond delay="0"/>
-                                  </p:stCondLst>
-                                  <p:childTnLst>
-                                    <p:set>
-                                      <p:cBhvr>
-                                        <p:cTn id="182" dur="1" fill="hold">
-                                          <p:stCondLst>
-                                            <p:cond delay="0"/>
-                                          </p:stCondLst>
-                                        </p:cTn>
-                                        <p:tgtEl>
-                                          <p:spTgt spid="96"/>
-                                        </p:tgtEl>
-                                        <p:attrNameLst>
-                                          <p:attrName>style.visibility</p:attrName>
-                                        </p:attrNameLst>
-                                      </p:cBhvr>
-                                      <p:to>
-                                        <p:strVal val="visible"/>
-                                      </p:to>
-                                    </p:set>
-                                  </p:childTnLst>
-                                </p:cTn>
-                              </p:par>
-                              <p:par>
-                                <p:cTn id="183" presetID="1" presetClass="entr" presetSubtype="0" fill="hold" nodeType="withEffect">
+                                <p:cTn id="183" presetID="1" presetClass="entr" presetSubtype="0" fill="hold" grpId="0" nodeType="clickEffect">
                                   <p:stCondLst>
                                     <p:cond delay="0"/>
                                   </p:stCondLst>
@@ -8639,7 +8623,7 @@
                                           </p:stCondLst>
                                         </p:cTn>
                                         <p:tgtEl>
-                                          <p:spTgt spid="97"/>
+                                          <p:spTgt spid="96"/>
                                         </p:tgtEl>
                                         <p:attrNameLst>
                                           <p:attrName>style.visibility</p:attrName>
@@ -8666,6 +8650,33 @@
                                           </p:stCondLst>
                                         </p:cTn>
                                         <p:tgtEl>
+                                          <p:spTgt spid="97"/>
+                                        </p:tgtEl>
+                                        <p:attrNameLst>
+                                          <p:attrName>style.visibility</p:attrName>
+                                        </p:attrNameLst>
+                                      </p:cBhvr>
+                                      <p:to>
+                                        <p:strVal val="visible"/>
+                                      </p:to>
+                                    </p:set>
+                                  </p:childTnLst>
+                                </p:cTn>
+                              </p:par>
+                              <p:par>
+                                <p:cTn id="187" presetID="1" presetClass="entr" presetSubtype="0" fill="hold" nodeType="withEffect">
+                                  <p:stCondLst>
+                                    <p:cond delay="0"/>
+                                  </p:stCondLst>
+                                  <p:childTnLst>
+                                    <p:set>
+                                      <p:cBhvr>
+                                        <p:cTn id="188" dur="1" fill="hold">
+                                          <p:stCondLst>
+                                            <p:cond delay="0"/>
+                                          </p:stCondLst>
+                                        </p:cTn>
+                                        <p:tgtEl>
                                           <p:spTgt spid="98"/>
                                         </p:tgtEl>
                                         <p:attrNameLst>
@@ -8686,46 +8697,19 @@
                     </p:cTn>
                   </p:par>
                   <p:par>
-                    <p:cTn id="187" fill="hold">
+                    <p:cTn id="189" fill="hold">
                       <p:stCondLst>
                         <p:cond delay="indefinite"/>
                       </p:stCondLst>
                       <p:childTnLst>
                         <p:par>
-                          <p:cTn id="188" fill="hold">
+                          <p:cTn id="190" fill="hold">
                             <p:stCondLst>
                               <p:cond delay="0"/>
                             </p:stCondLst>
                             <p:childTnLst>
                               <p:par>
-                                <p:cTn id="189" presetID="1" presetClass="entr" presetSubtype="0" fill="hold" grpId="0" nodeType="clickEffect">
-                                  <p:stCondLst>
-                                    <p:cond delay="0"/>
-                                  </p:stCondLst>
-                                  <p:childTnLst>
-                                    <p:set>
-                                      <p:cBhvr>
-                                        <p:cTn id="190" dur="1" fill="hold">
-                                          <p:stCondLst>
-                                            <p:cond delay="0"/>
-                                          </p:stCondLst>
-                                        </p:cTn>
-                                        <p:tgtEl>
-                                          <p:spTgt spid="25"/>
-                                        </p:tgtEl>
-                                        <p:attrNameLst>
-                                          <p:attrName>style.visibility</p:attrName>
-                                        </p:attrNameLst>
-                                      </p:cBhvr>
-                                      <p:to>
-                                        <p:strVal val="visible"/>
-                                      </p:to>
-                                    </p:set>
-                                  </p:childTnLst>
-                                </p:cTn>
-                              </p:par>
-                              <p:par>
-                                <p:cTn id="191" presetID="1" presetClass="entr" presetSubtype="0" fill="hold" nodeType="withEffect">
+                                <p:cTn id="191" presetID="1" presetClass="entr" presetSubtype="0" fill="hold" grpId="0" nodeType="clickEffect">
                                   <p:stCondLst>
                                     <p:cond delay="0"/>
                                   </p:stCondLst>
@@ -8733,33 +8717,6 @@
                                     <p:set>
                                       <p:cBhvr>
                                         <p:cTn id="192" dur="1" fill="hold">
-                                          <p:stCondLst>
-                                            <p:cond delay="0"/>
-                                          </p:stCondLst>
-                                        </p:cTn>
-                                        <p:tgtEl>
-                                          <p:spTgt spid="106"/>
-                                        </p:tgtEl>
-                                        <p:attrNameLst>
-                                          <p:attrName>style.visibility</p:attrName>
-                                        </p:attrNameLst>
-                                      </p:cBhvr>
-                                      <p:to>
-                                        <p:strVal val="visible"/>
-                                      </p:to>
-                                    </p:set>
-                                  </p:childTnLst>
-                                </p:cTn>
-                              </p:par>
-                              <p:par>
-                                <p:cTn id="193" presetID="1" presetClass="entr" presetSubtype="0" fill="hold" grpId="0" nodeType="withEffect">
-                                  <p:stCondLst>
-                                    <p:cond delay="0"/>
-                                  </p:stCondLst>
-                                  <p:childTnLst>
-                                    <p:set>
-                                      <p:cBhvr>
-                                        <p:cTn id="194" dur="1" fill="hold">
                                           <p:stCondLst>
                                             <p:cond delay="0"/>
                                           </p:stCondLst>
@@ -8779,14 +8736,14 @@
                                 </p:cTn>
                               </p:par>
                               <p:par>
-                                <p:cTn id="195" presetID="1" presetClass="entr" presetSubtype="0" fill="hold" nodeType="withEffect">
+                                <p:cTn id="193" presetID="1" presetClass="entr" presetSubtype="0" fill="hold" nodeType="withEffect">
                                   <p:stCondLst>
                                     <p:cond delay="0"/>
                                   </p:stCondLst>
                                   <p:childTnLst>
                                     <p:set>
                                       <p:cBhvr>
-                                        <p:cTn id="196" dur="1" fill="hold">
+                                        <p:cTn id="194" dur="1" fill="hold">
                                           <p:stCondLst>
                                             <p:cond delay="0"/>
                                           </p:stCondLst>
@@ -8812,19 +8769,46 @@
                     </p:cTn>
                   </p:par>
                   <p:par>
-                    <p:cTn id="197" fill="hold">
+                    <p:cTn id="195" fill="hold">
                       <p:stCondLst>
                         <p:cond delay="indefinite"/>
                       </p:stCondLst>
                       <p:childTnLst>
                         <p:par>
-                          <p:cTn id="198" fill="hold">
+                          <p:cTn id="196" fill="hold">
                             <p:stCondLst>
                               <p:cond delay="0"/>
                             </p:stCondLst>
                             <p:childTnLst>
                               <p:par>
-                                <p:cTn id="199" presetID="1" presetClass="entr" presetSubtype="0" fill="hold" nodeType="clickEffect">
+                                <p:cTn id="197" presetID="1" presetClass="entr" presetSubtype="0" fill="hold" grpId="0" nodeType="clickEffect">
+                                  <p:stCondLst>
+                                    <p:cond delay="0"/>
+                                  </p:stCondLst>
+                                  <p:childTnLst>
+                                    <p:set>
+                                      <p:cBhvr>
+                                        <p:cTn id="198" dur="1" fill="hold">
+                                          <p:stCondLst>
+                                            <p:cond delay="0"/>
+                                          </p:stCondLst>
+                                        </p:cTn>
+                                        <p:tgtEl>
+                                          <p:spTgt spid="25"/>
+                                        </p:tgtEl>
+                                        <p:attrNameLst>
+                                          <p:attrName>style.visibility</p:attrName>
+                                        </p:attrNameLst>
+                                      </p:cBhvr>
+                                      <p:to>
+                                        <p:strVal val="visible"/>
+                                      </p:to>
+                                    </p:set>
+                                  </p:childTnLst>
+                                </p:cTn>
+                              </p:par>
+                              <p:par>
+                                <p:cTn id="199" presetID="1" presetClass="entr" presetSubtype="0" fill="hold" nodeType="withEffect">
                                   <p:stCondLst>
                                     <p:cond delay="0"/>
                                   </p:stCondLst>
@@ -8837,7 +8821,7 @@
                                           </p:stCondLst>
                                         </p:cTn>
                                         <p:tgtEl>
-                                          <p:spTgt spid="40"/>
+                                          <p:spTgt spid="106"/>
                                         </p:tgtEl>
                                         <p:attrNameLst>
                                           <p:attrName>style.visibility</p:attrName>
@@ -8869,7 +8853,7 @@
                             </p:stCondLst>
                             <p:childTnLst>
                               <p:par>
-                                <p:cTn id="203" presetID="1" presetClass="entr" presetSubtype="0" fill="hold" grpId="0" nodeType="clickEffect">
+                                <p:cTn id="203" presetID="1" presetClass="entr" presetSubtype="0" fill="hold" nodeType="clickEffect">
                                   <p:stCondLst>
                                     <p:cond delay="0"/>
                                   </p:stCondLst>
@@ -8882,7 +8866,7 @@
                                           </p:stCondLst>
                                         </p:cTn>
                                         <p:tgtEl>
-                                          <p:spTgt spid="86"/>
+                                          <p:spTgt spid="40"/>
                                         </p:tgtEl>
                                         <p:attrNameLst>
                                           <p:attrName>style.visibility</p:attrName>
@@ -8914,7 +8898,7 @@
                             </p:stCondLst>
                             <p:childTnLst>
                               <p:par>
-                                <p:cTn id="207" presetID="1" presetClass="entr" presetSubtype="0" fill="hold" grpId="0" nodeType="clickEffect">
+                                <p:cTn id="207" presetID="1" presetClass="entr" presetSubtype="0" fill="hold" nodeType="clickEffect">
                                   <p:stCondLst>
                                     <p:cond delay="0"/>
                                   </p:stCondLst>
@@ -8927,7 +8911,7 @@
                                           </p:stCondLst>
                                         </p:cTn>
                                         <p:tgtEl>
-                                          <p:spTgt spid="38"/>
+                                          <p:spTgt spid="39"/>
                                         </p:tgtEl>
                                         <p:attrNameLst>
                                           <p:attrName>style.visibility</p:attrName>
@@ -8940,21 +8924,84 @@
                                   </p:childTnLst>
                                 </p:cTn>
                               </p:par>
+                            </p:childTnLst>
+                          </p:cTn>
+                        </p:par>
+                      </p:childTnLst>
+                    </p:cTn>
+                  </p:par>
+                  <p:par>
+                    <p:cTn id="209" fill="hold">
+                      <p:stCondLst>
+                        <p:cond delay="indefinite"/>
+                      </p:stCondLst>
+                      <p:childTnLst>
+                        <p:par>
+                          <p:cTn id="210" fill="hold">
+                            <p:stCondLst>
+                              <p:cond delay="0"/>
+                            </p:stCondLst>
+                            <p:childTnLst>
                               <p:par>
-                                <p:cTn id="209" presetID="1" presetClass="entr" presetSubtype="0" fill="hold" nodeType="withEffect">
+                                <p:cTn id="211" presetID="1" presetClass="entr" presetSubtype="0" fill="hold" grpId="0" nodeType="clickEffect">
                                   <p:stCondLst>
                                     <p:cond delay="0"/>
                                   </p:stCondLst>
                                   <p:childTnLst>
                                     <p:set>
                                       <p:cBhvr>
-                                        <p:cTn id="210" dur="1" fill="hold">
+                                        <p:cTn id="212" dur="1" fill="hold">
                                           <p:stCondLst>
                                             <p:cond delay="0"/>
                                           </p:stCondLst>
                                         </p:cTn>
                                         <p:tgtEl>
-                                          <p:spTgt spid="39"/>
+                                          <p:spTgt spid="86"/>
+                                        </p:tgtEl>
+                                        <p:attrNameLst>
+                                          <p:attrName>style.visibility</p:attrName>
+                                        </p:attrNameLst>
+                                      </p:cBhvr>
+                                      <p:to>
+                                        <p:strVal val="visible"/>
+                                      </p:to>
+                                    </p:set>
+                                  </p:childTnLst>
+                                </p:cTn>
+                              </p:par>
+                            </p:childTnLst>
+                          </p:cTn>
+                        </p:par>
+                      </p:childTnLst>
+                    </p:cTn>
+                  </p:par>
+                  <p:par>
+                    <p:cTn id="213" fill="hold">
+                      <p:stCondLst>
+                        <p:cond delay="indefinite"/>
+                      </p:stCondLst>
+                      <p:childTnLst>
+                        <p:par>
+                          <p:cTn id="214" fill="hold">
+                            <p:stCondLst>
+                              <p:cond delay="0"/>
+                            </p:stCondLst>
+                            <p:childTnLst>
+                              <p:par>
+                                <p:cTn id="215" presetID="1" presetClass="entr" presetSubtype="0" fill="hold" grpId="0" nodeType="clickEffect">
+                                  <p:stCondLst>
+                                    <p:cond delay="0"/>
+                                  </p:stCondLst>
+                                  <p:childTnLst>
+                                    <p:set>
+                                      <p:cBhvr>
+                                        <p:cTn id="216" dur="1" fill="hold">
+                                          <p:stCondLst>
+                                            <p:cond delay="0"/>
+                                          </p:stCondLst>
+                                        </p:cTn>
+                                        <p:tgtEl>
+                                          <p:spTgt spid="38"/>
                                         </p:tgtEl>
                                         <p:attrNameLst>
                                           <p:attrName>style.visibility</p:attrName>
@@ -8995,6 +9042,8 @@
       </p:par>
     </p:tnLst>
     <p:bldLst>
+      <p:bldP spid="79" grpId="0" animBg="1"/>
+      <p:bldP spid="79" grpId="1" animBg="1"/>
       <p:bldP spid="25" grpId="0" animBg="1"/>
       <p:bldP spid="14" grpId="0" animBg="1"/>
       <p:bldP spid="15" grpId="0" animBg="1"/>
@@ -9027,8 +9076,6 @@
       <p:bldP spid="66" grpId="0" animBg="1"/>
       <p:bldP spid="66" grpId="1" animBg="1"/>
       <p:bldP spid="77" grpId="0" animBg="1"/>
-      <p:bldP spid="79" grpId="0" animBg="1"/>
-      <p:bldP spid="79" grpId="1" animBg="1"/>
     </p:bldLst>
   </p:timing>
 </p:sld>
@@ -9358,7 +9405,7 @@
   <a:extraClrSchemeLst/>
   <a:extLst>
     <a:ext uri="{05A4C25C-085E-4340-85A3-A5531E510DB2}">
-      <thm15:themeFamily xmlns:thm15="http://schemas.microsoft.com/office/thememl/2012/main" xmlns="" name="ConcurCorporateTemplate2013_Helvetica_16x9" id="{A09BE1D0-94B0-44B7-9420-2ECF7BB955CC}" vid="{59E5CBDF-7240-4762-BDFB-AAFD424E1AE9}"/>
+      <thm15:themeFamily xmlns="" xmlns:thm15="http://schemas.microsoft.com/office/thememl/2012/main" name="ConcurCorporateTemplate2013_Helvetica_16x9" id="{A09BE1D0-94B0-44B7-9420-2ECF7BB955CC}" vid="{59E5CBDF-7240-4762-BDFB-AAFD424E1AE9}"/>
     </a:ext>
   </a:extLst>
 </a:theme>
